--- a/A조 발표/A조 발표(수정용).pptx
+++ b/A조 발표/A조 발표(수정용).pptx
@@ -1,40 +1,40 @@
 
 <file path=ppt/presentation.xml><?xml version="1.0" encoding="utf-8"?>
-<p:presentation xmlns:a="http://schemas.openxmlformats.org/drawingml/2006/main" xmlns:r="http://schemas.openxmlformats.org/officeDocument/2006/relationships" xmlns:p="http://schemas.openxmlformats.org/presentationml/2006/main">
+<p:presentation xmlns:r="http://schemas.openxmlformats.org/officeDocument/2006/relationships" xmlns:c="http://schemas.openxmlformats.org/drawingml/2006/chart" xmlns:a="http://schemas.openxmlformats.org/drawingml/2006/main" xmlns:dgm="http://schemas.openxmlformats.org/drawingml/2006/diagram" xmlns:dsp="http://schemas.microsoft.com/office/drawing/2008/diagram" xmlns:p="http://schemas.openxmlformats.org/presentationml/2006/main">
   <p:sldMasterIdLst>
-    <p:sldMasterId id="2147483806" r:id="rId1"/>
-    <p:sldMasterId id="2147483807" r:id="rId2"/>
+    <p:sldMasterId id="2147483792" r:id="rId1"/>
+    <p:sldMasterId id="2147483793" r:id="rId2"/>
   </p:sldMasterIdLst>
   <p:notesMasterIdLst>
-    <p:notesMasterId r:id="rId26"/>
+    <p:notesMasterId r:id="rId3"/>
   </p:notesMasterIdLst>
   <p:handoutMasterIdLst>
-    <p:handoutMasterId r:id="rId27"/>
+    <p:handoutMasterId r:id="rId4"/>
   </p:handoutMasterIdLst>
   <p:sldIdLst>
-    <p:sldId id="292" r:id="rId3"/>
-    <p:sldId id="280" r:id="rId4"/>
-    <p:sldId id="299" r:id="rId5"/>
-    <p:sldId id="283" r:id="rId6"/>
-    <p:sldId id="259" r:id="rId7"/>
-    <p:sldId id="310" r:id="rId8"/>
-    <p:sldId id="316" r:id="rId9"/>
-    <p:sldId id="317" r:id="rId10"/>
-    <p:sldId id="318" r:id="rId11"/>
-    <p:sldId id="319" r:id="rId12"/>
-    <p:sldId id="320" r:id="rId13"/>
-    <p:sldId id="321" r:id="rId14"/>
-    <p:sldId id="285" r:id="rId15"/>
-    <p:sldId id="279" r:id="rId16"/>
-    <p:sldId id="322" r:id="rId17"/>
-    <p:sldId id="293" r:id="rId18"/>
-    <p:sldId id="294" r:id="rId19"/>
-    <p:sldId id="295" r:id="rId20"/>
-    <p:sldId id="296" r:id="rId21"/>
-    <p:sldId id="315" r:id="rId22"/>
-    <p:sldId id="298" r:id="rId23"/>
-    <p:sldId id="300" r:id="rId24"/>
-    <p:sldId id="308" r:id="rId25"/>
+    <p:sldId id="292" r:id="rId5"/>
+    <p:sldId id="280" r:id="rId6"/>
+    <p:sldId id="299" r:id="rId7"/>
+    <p:sldId id="283" r:id="rId8"/>
+    <p:sldId id="259" r:id="rId9"/>
+    <p:sldId id="310" r:id="rId10"/>
+    <p:sldId id="316" r:id="rId11"/>
+    <p:sldId id="317" r:id="rId12"/>
+    <p:sldId id="318" r:id="rId13"/>
+    <p:sldId id="319" r:id="rId14"/>
+    <p:sldId id="320" r:id="rId15"/>
+    <p:sldId id="321" r:id="rId16"/>
+    <p:sldId id="285" r:id="rId17"/>
+    <p:sldId id="279" r:id="rId18"/>
+    <p:sldId id="322" r:id="rId19"/>
+    <p:sldId id="293" r:id="rId20"/>
+    <p:sldId id="294" r:id="rId21"/>
+    <p:sldId id="295" r:id="rId22"/>
+    <p:sldId id="296" r:id="rId23"/>
+    <p:sldId id="315" r:id="rId24"/>
+    <p:sldId id="298" r:id="rId25"/>
+    <p:sldId id="323" r:id="rId26"/>
+    <p:sldId id="308" r:id="rId27"/>
   </p:sldIdLst>
   <p:sldSz cx="12192000" cy="6858000"/>
   <p:notesSz cx="6858000" cy="9144000"/>
@@ -133,27 +133,11 @@
       </a:defRPr>
     </a:lvl9pPr>
   </p:defaultTextStyle>
-  <p:extLst>
-    <p:ext uri="{EFAFB233-063F-42B5-8137-9DF3F51BA10A}">
-      <p15:sldGuideLst xmlns:p15="http://schemas.microsoft.com/office/powerpoint/2012/main">
-        <p15:guide id="1" orient="horz" pos="2154">
-          <p15:clr>
-            <a:srgbClr val="A4A3A4"/>
-          </p15:clr>
-        </p15:guide>
-        <p15:guide id="2" pos="3839">
-          <p15:clr>
-            <a:srgbClr val="A4A3A4"/>
-          </p15:clr>
-        </p15:guide>
-      </p15:sldGuideLst>
-    </p:ext>
-  </p:extLst>
 </p:presentation>
 </file>
 
 <file path=ppt/handoutMasters/handoutMaster1.xml><?xml version="1.0" encoding="utf-8"?>
-<p:handoutMaster xmlns:a="http://schemas.openxmlformats.org/drawingml/2006/main" xmlns:r="http://schemas.openxmlformats.org/officeDocument/2006/relationships" xmlns:p="http://schemas.openxmlformats.org/presentationml/2006/main">
+<p:handoutMaster xmlns:r="http://schemas.openxmlformats.org/officeDocument/2006/relationships" xmlns:c="http://schemas.openxmlformats.org/drawingml/2006/chart" xmlns:a="http://schemas.openxmlformats.org/drawingml/2006/main" xmlns:dgm="http://schemas.openxmlformats.org/drawingml/2006/diagram" xmlns:dsp="http://schemas.microsoft.com/office/drawing/2008/diagram" xmlns:p="http://schemas.openxmlformats.org/presentationml/2006/main">
   <p:cSld>
     <p:bg>
       <p:bgRef idx="1001">
@@ -181,7 +165,7 @@
             <a:spLocks noGrp="1"/>
           </p:cNvSpPr>
           <p:nvPr>
-            <p:ph type="hdr" sz="quarter"/>
+            <p:ph type="hdr" sz="quarter" idx="0"/>
           </p:nvPr>
         </p:nvSpPr>
         <p:spPr>
@@ -204,6 +188,10 @@
             <a:pPr lvl="0">
               <a:defRPr/>
             </a:pPr>
+            <a:r>
+              <a:rPr lang="ko-KR" altLang="en-US"/>
+              <a:t/>
+            </a:r>
             <a:endParaRPr lang="ko-KR" altLang="en-US"/>
           </a:p>
         </p:txBody>
@@ -279,6 +267,10 @@
             <a:pPr lvl="0">
               <a:defRPr/>
             </a:pPr>
+            <a:r>
+              <a:rPr lang="ko-KR" altLang="en-US"/>
+              <a:t/>
+            </a:r>
             <a:endParaRPr lang="ko-KR" altLang="en-US"/>
           </a:p>
         </p:txBody>
@@ -325,18 +317,13 @@
         </p:txBody>
       </p:sp>
     </p:spTree>
-    <p:extLst>
-      <p:ext uri="{BB962C8B-B14F-4D97-AF65-F5344CB8AC3E}">
-        <p14:creationId xmlns:p14="http://schemas.microsoft.com/office/powerpoint/2010/main" val="1"/>
-      </p:ext>
-    </p:extLst>
   </p:cSld>
   <p:clrMap bg1="lt1" tx1="dk1" bg2="lt2" tx2="dk2" accent1="accent1" accent2="accent2" accent3="accent3" accent4="accent4" accent5="accent5" accent6="accent6" hlink="hlink" folHlink="folHlink"/>
 </p:handoutMaster>
 </file>
 
 <file path=ppt/notesMasters/notesMaster1.xml><?xml version="1.0" encoding="utf-8"?>
-<p:notesMaster xmlns:a="http://schemas.openxmlformats.org/drawingml/2006/main" xmlns:r="http://schemas.openxmlformats.org/officeDocument/2006/relationships" xmlns:p="http://schemas.openxmlformats.org/presentationml/2006/main">
+<p:notesMaster xmlns:r="http://schemas.openxmlformats.org/officeDocument/2006/relationships" xmlns:c="http://schemas.openxmlformats.org/drawingml/2006/chart" xmlns:a="http://schemas.openxmlformats.org/drawingml/2006/main" xmlns:dgm="http://schemas.openxmlformats.org/drawingml/2006/diagram" xmlns:dsp="http://schemas.microsoft.com/office/drawing/2008/diagram" xmlns:p="http://schemas.openxmlformats.org/presentationml/2006/main">
   <p:cSld>
     <p:bg>
       <p:bgRef idx="1001">
@@ -364,7 +351,7 @@
             <a:spLocks noGrp="1"/>
           </p:cNvSpPr>
           <p:nvPr>
-            <p:ph type="hdr" sz="quarter"/>
+            <p:ph type="hdr" sz="quarter" idx="0"/>
           </p:nvPr>
         </p:nvSpPr>
         <p:spPr>
@@ -387,6 +374,10 @@
             <a:pPr lvl="0">
               <a:defRPr/>
             </a:pPr>
+            <a:r>
+              <a:rPr lang="ko-KR" altLang="en-US"/>
+              <a:t/>
+            </a:r>
             <a:endParaRPr lang="ko-KR" altLang="en-US"/>
           </a:p>
         </p:txBody>
@@ -500,6 +491,7 @@
               <a:rPr lang="ko-KR" altLang="en-US"/>
               <a:t>마스터 텍스트 스타일을 편집합니다</a:t>
             </a:r>
+            <a:endParaRPr lang="ko-KR" altLang="en-US"/>
           </a:p>
           <a:p>
             <a:pPr lvl="1">
@@ -509,6 +501,7 @@
               <a:rPr lang="ko-KR" altLang="en-US"/>
               <a:t>둘째 수준</a:t>
             </a:r>
+            <a:endParaRPr lang="ko-KR" altLang="en-US"/>
           </a:p>
           <a:p>
             <a:pPr lvl="2">
@@ -518,6 +511,7 @@
               <a:rPr lang="ko-KR" altLang="en-US"/>
               <a:t>셋째 수준</a:t>
             </a:r>
+            <a:endParaRPr lang="ko-KR" altLang="en-US"/>
           </a:p>
           <a:p>
             <a:pPr lvl="3">
@@ -527,6 +521,7 @@
               <a:rPr lang="ko-KR" altLang="en-US"/>
               <a:t>넷째 수준</a:t>
             </a:r>
+            <a:endParaRPr lang="ko-KR" altLang="en-US"/>
           </a:p>
           <a:p>
             <a:pPr lvl="4">
@@ -536,6 +531,7 @@
               <a:rPr lang="ko-KR" altLang="en-US"/>
               <a:t>다섯째 수준</a:t>
             </a:r>
+            <a:endParaRPr lang="ko-KR" altLang="en-US"/>
           </a:p>
         </p:txBody>
       </p:sp>
@@ -569,6 +565,10 @@
             <a:pPr lvl="0">
               <a:defRPr/>
             </a:pPr>
+            <a:r>
+              <a:rPr lang="ko-KR" altLang="en-US"/>
+              <a:t/>
+            </a:r>
             <a:endParaRPr lang="ko-KR" altLang="en-US"/>
           </a:p>
         </p:txBody>
@@ -714,7 +714,7 @@
 </file>
 
 <file path=ppt/notesSlides/notesSlide1.xml><?xml version="1.0" encoding="utf-8"?>
-<p:notes xmlns:a="http://schemas.openxmlformats.org/drawingml/2006/main" xmlns:r="http://schemas.openxmlformats.org/officeDocument/2006/relationships" xmlns:p="http://schemas.openxmlformats.org/presentationml/2006/main">
+<p:notes xmlns:r="http://schemas.openxmlformats.org/officeDocument/2006/relationships" xmlns:c="http://schemas.openxmlformats.org/drawingml/2006/chart" xmlns:a="http://schemas.openxmlformats.org/drawingml/2006/main" xmlns:dgm="http://schemas.openxmlformats.org/drawingml/2006/diagram" xmlns:dsp="http://schemas.microsoft.com/office/drawing/2008/diagram" xmlns:p="http://schemas.openxmlformats.org/presentationml/2006/main">
   <p:cSld>
     <p:spTree>
       <p:nvGrpSpPr>
@@ -794,6 +794,9 @@
               </a:rPr>
               <a:t>.</a:t>
             </a:r>
+            <a:endParaRPr lang="en-US" altLang="ko-KR" sz="1300">
+              <a:latin typeface="맑은 고딕"/>
+            </a:endParaRPr>
           </a:p>
           <a:p>
             <a:pPr>
@@ -835,6 +838,9 @@
               </a:rPr>
               <a:t>.</a:t>
             </a:r>
+            <a:endParaRPr lang="en-US" altLang="ko-KR" sz="1300">
+              <a:latin typeface="맑은 고딕"/>
+            </a:endParaRPr>
           </a:p>
         </p:txBody>
       </p:sp>
@@ -876,7 +882,7 @@
 </file>
 
 <file path=ppt/notesSlides/notesSlide10.xml><?xml version="1.0" encoding="utf-8"?>
-<p:notes xmlns:a="http://schemas.openxmlformats.org/drawingml/2006/main" xmlns:r="http://schemas.openxmlformats.org/officeDocument/2006/relationships" xmlns:p="http://schemas.openxmlformats.org/presentationml/2006/main">
+<p:notes xmlns:r="http://schemas.openxmlformats.org/officeDocument/2006/relationships" xmlns:c="http://schemas.openxmlformats.org/drawingml/2006/chart" xmlns:a="http://schemas.openxmlformats.org/drawingml/2006/main" xmlns:dgm="http://schemas.openxmlformats.org/drawingml/2006/diagram" xmlns:dsp="http://schemas.microsoft.com/office/drawing/2008/diagram" xmlns:p="http://schemas.openxmlformats.org/presentationml/2006/main">
   <p:cSld>
     <p:spTree>
       <p:nvGrpSpPr>
@@ -941,7 +947,13 @@
               </a:spcAft>
               <a:defRPr/>
             </a:pPr>
-            <a:endParaRPr lang="en-US" altLang="ko-KR" sz="1300">
+            <a:r>
+              <a:rPr lang="ko-KR" altLang="en-US" sz="1300">
+                <a:latin typeface="맑은 고딕"/>
+              </a:rPr>
+              <a:t/>
+            </a:r>
+            <a:endParaRPr lang="ko-KR" altLang="en-US" sz="1300">
               <a:latin typeface="맑은 고딕"/>
             </a:endParaRPr>
           </a:p>
@@ -985,7 +997,7 @@
 </file>
 
 <file path=ppt/notesSlides/notesSlide11.xml><?xml version="1.0" encoding="utf-8"?>
-<p:notes xmlns:a="http://schemas.openxmlformats.org/drawingml/2006/main" xmlns:r="http://schemas.openxmlformats.org/officeDocument/2006/relationships" xmlns:p="http://schemas.openxmlformats.org/presentationml/2006/main">
+<p:notes xmlns:r="http://schemas.openxmlformats.org/officeDocument/2006/relationships" xmlns:c="http://schemas.openxmlformats.org/drawingml/2006/chart" xmlns:a="http://schemas.openxmlformats.org/drawingml/2006/main" xmlns:dgm="http://schemas.openxmlformats.org/drawingml/2006/diagram" xmlns:dsp="http://schemas.microsoft.com/office/drawing/2008/diagram" xmlns:p="http://schemas.openxmlformats.org/presentationml/2006/main">
   <p:cSld>
     <p:spTree>
       <p:nvGrpSpPr>
@@ -1050,7 +1062,13 @@
               </a:spcAft>
               <a:defRPr/>
             </a:pPr>
-            <a:endParaRPr lang="en-US" altLang="ko-KR" sz="1300">
+            <a:r>
+              <a:rPr lang="ko-KR" altLang="en-US" sz="1300">
+                <a:latin typeface="맑은 고딕"/>
+              </a:rPr>
+              <a:t/>
+            </a:r>
+            <a:endParaRPr lang="ko-KR" altLang="en-US" sz="1300">
               <a:latin typeface="맑은 고딕"/>
             </a:endParaRPr>
           </a:p>
@@ -1094,7 +1112,7 @@
 </file>
 
 <file path=ppt/notesSlides/notesSlide12.xml><?xml version="1.0" encoding="utf-8"?>
-<p:notes xmlns:a="http://schemas.openxmlformats.org/drawingml/2006/main" xmlns:r="http://schemas.openxmlformats.org/officeDocument/2006/relationships" xmlns:p="http://schemas.openxmlformats.org/presentationml/2006/main">
+<p:notes xmlns:r="http://schemas.openxmlformats.org/officeDocument/2006/relationships" xmlns:c="http://schemas.openxmlformats.org/drawingml/2006/chart" xmlns:a="http://schemas.openxmlformats.org/drawingml/2006/main" xmlns:dgm="http://schemas.openxmlformats.org/drawingml/2006/diagram" xmlns:dsp="http://schemas.microsoft.com/office/drawing/2008/diagram" xmlns:p="http://schemas.openxmlformats.org/presentationml/2006/main">
   <p:cSld>
     <p:spTree>
       <p:nvGrpSpPr>
@@ -1159,6 +1177,12 @@
               </a:spcAft>
               <a:defRPr/>
             </a:pPr>
+            <a:r>
+              <a:rPr lang="ko-KR" altLang="en-US" sz="1300">
+                <a:latin typeface="맑은 고딕"/>
+              </a:rPr>
+              <a:t/>
+            </a:r>
             <a:endParaRPr lang="ko-KR" altLang="en-US" sz="1300">
               <a:latin typeface="맑은 고딕"/>
             </a:endParaRPr>
@@ -1203,7 +1227,7 @@
 </file>
 
 <file path=ppt/notesSlides/notesSlide13.xml><?xml version="1.0" encoding="utf-8"?>
-<p:notes xmlns:a="http://schemas.openxmlformats.org/drawingml/2006/main" xmlns:r="http://schemas.openxmlformats.org/officeDocument/2006/relationships" xmlns:p="http://schemas.openxmlformats.org/presentationml/2006/main">
+<p:notes xmlns:r="http://schemas.openxmlformats.org/officeDocument/2006/relationships" xmlns:c="http://schemas.openxmlformats.org/drawingml/2006/chart" xmlns:a="http://schemas.openxmlformats.org/drawingml/2006/main" xmlns:dgm="http://schemas.openxmlformats.org/drawingml/2006/diagram" xmlns:dsp="http://schemas.microsoft.com/office/drawing/2008/diagram" xmlns:p="http://schemas.openxmlformats.org/presentationml/2006/main">
   <p:cSld>
     <p:spTree>
       <p:nvGrpSpPr>
@@ -1283,11 +1307,6 @@
               </a:rPr>
               <a:t>.</a:t>
             </a:r>
-          </a:p>
-          <a:p>
-            <a:pPr>
-              <a:defRPr/>
-            </a:pPr>
             <a:endParaRPr lang="en-US" altLang="ko-KR" sz="1300">
               <a:latin typeface="맑은 고딕"/>
             </a:endParaRPr>
@@ -1296,58 +1315,6 @@
             <a:pPr>
               <a:defRPr/>
             </a:pPr>
-            <a:r>
-              <a:rPr lang="ko-KR" altLang="en-US" sz="1300">
-                <a:latin typeface="맑은 고딕"/>
-              </a:rPr>
-              <a:t>보시는 바와 같이</a:t>
-            </a:r>
-            <a:r>
-              <a:rPr lang="en-US" altLang="ko-KR" sz="1300">
-                <a:latin typeface="맑은 고딕"/>
-              </a:rPr>
-              <a:t>,</a:t>
-            </a:r>
-            <a:r>
-              <a:rPr lang="ko-KR" altLang="en-US" sz="1300">
-                <a:latin typeface="맑은 고딕"/>
-              </a:rPr>
-              <a:t> 중앙 제어 스레드는 프로그램 종료 시까지 동작하며</a:t>
-            </a:r>
-            <a:r>
-              <a:rPr lang="en-US" altLang="ko-KR" sz="1300">
-                <a:latin typeface="맑은 고딕"/>
-              </a:rPr>
-              <a:t>,</a:t>
-            </a:r>
-            <a:r>
-              <a:rPr lang="ko-KR" altLang="en-US" sz="1300">
-                <a:latin typeface="맑은 고딕"/>
-              </a:rPr>
-              <a:t> </a:t>
-            </a:r>
-          </a:p>
-          <a:p>
-            <a:pPr>
-              <a:defRPr/>
-            </a:pPr>
-            <a:r>
-              <a:rPr lang="ko-KR" altLang="en-US" sz="1300">
-                <a:latin typeface="맑은 고딕"/>
-              </a:rPr>
-              <a:t>다른 스레드를 순차적으로 동작시키는 역할을 하는 것을 확인할 수 있습니다</a:t>
-            </a:r>
-            <a:r>
-              <a:rPr lang="en-US" altLang="ko-KR" sz="1300">
-                <a:latin typeface="맑은 고딕"/>
-              </a:rPr>
-              <a:t>.</a:t>
-            </a:r>
-          </a:p>
-          <a:p>
-            <a:pPr>
-              <a:defRPr/>
-            </a:pPr>
             <a:endParaRPr lang="en-US" altLang="ko-KR" sz="1300">
               <a:latin typeface="맑은 고딕"/>
             </a:endParaRPr>
@@ -1360,19 +1327,19 @@
               <a:rPr lang="ko-KR" altLang="en-US" sz="1300">
                 <a:latin typeface="맑은 고딕"/>
               </a:rPr>
-              <a:t>그와 동시에 </a:t>
+              <a:t>보시는 바와 같이</a:t>
             </a:r>
             <a:r>
               <a:rPr lang="en-US" altLang="ko-KR" sz="1300">
                 <a:latin typeface="맑은 고딕"/>
               </a:rPr>
-              <a:t>Time </a:t>
+              <a:t>,</a:t>
             </a:r>
             <a:r>
               <a:rPr lang="ko-KR" altLang="en-US" sz="1300">
                 <a:latin typeface="맑은 고딕"/>
               </a:rPr>
-              <a:t>스레드도 함께 동작하여 시뮬레이터의 구동 시간을 측정하고</a:t>
+              <a:t> 중앙 제어 스레드는 프로그램 종료 시까지 동작하며</a:t>
             </a:r>
             <a:r>
               <a:rPr lang="en-US" altLang="ko-KR" sz="1300">
@@ -1386,6 +1353,9 @@
               </a:rPr>
               <a:t> </a:t>
             </a:r>
+            <a:endParaRPr lang="ko-KR" altLang="en-US" sz="1300">
+              <a:latin typeface="맑은 고딕"/>
+            </a:endParaRPr>
           </a:p>
           <a:p>
             <a:pPr>
@@ -1395,31 +1365,14 @@
               <a:rPr lang="ko-KR" altLang="en-US" sz="1300">
                 <a:latin typeface="맑은 고딕"/>
               </a:rPr>
-              <a:t>웨이퍼의 출력과 </a:t>
+              <a:t>다른 스레드를 순차적으로 동작시키는 역할을 하는 것을 확인할 수 있습니다</a:t>
             </a:r>
             <a:r>
               <a:rPr lang="en-US" altLang="ko-KR" sz="1300">
                 <a:latin typeface="맑은 고딕"/>
               </a:rPr>
-              <a:t>Throughtut</a:t>
-            </a:r>
-            <a:r>
-              <a:rPr lang="ko-KR" altLang="en-US" sz="1300">
-                <a:latin typeface="맑은 고딕"/>
-              </a:rPr>
-              <a:t>을 연산하도록 하였습니다</a:t>
-            </a:r>
-            <a:r>
-              <a:rPr lang="en-US" altLang="ko-KR" sz="1300">
-                <a:latin typeface="맑은 고딕"/>
-              </a:rPr>
               <a:t>.</a:t>
             </a:r>
-          </a:p>
-          <a:p>
-            <a:pPr>
-              <a:defRPr/>
-            </a:pPr>
             <a:endParaRPr lang="en-US" altLang="ko-KR" sz="1300">
               <a:latin typeface="맑은 고딕"/>
             </a:endParaRPr>
@@ -1428,35 +1381,6 @@
             <a:pPr>
               <a:defRPr/>
             </a:pPr>
-            <a:r>
-              <a:rPr lang="ko-KR" altLang="en-US" sz="1300">
-                <a:latin typeface="맑은 고딕"/>
-              </a:rPr>
-              <a:t>또한</a:t>
-            </a:r>
-            <a:r>
-              <a:rPr lang="en-US" altLang="ko-KR" sz="1300">
-                <a:latin typeface="맑은 고딕"/>
-              </a:rPr>
-              <a:t>,</a:t>
-            </a:r>
-            <a:r>
-              <a:rPr lang="ko-KR" altLang="en-US" sz="1300">
-                <a:latin typeface="맑은 고딕"/>
-              </a:rPr>
-              <a:t> 스레드는 동시성 확보를 위해 단일 스레드록 동작하는 것이 아닌 다음과 같이 멀티 스레드로 동작하도록 설계하였습니다</a:t>
-            </a:r>
-            <a:r>
-              <a:rPr lang="en-US" altLang="ko-KR" sz="1300">
-                <a:latin typeface="맑은 고딕"/>
-              </a:rPr>
-              <a:t>.</a:t>
-            </a:r>
-          </a:p>
-          <a:p>
-            <a:pPr>
-              <a:defRPr/>
-            </a:pPr>
             <a:endParaRPr lang="en-US" altLang="ko-KR" sz="1300">
               <a:latin typeface="맑은 고딕"/>
             </a:endParaRPr>
@@ -1469,6 +1393,124 @@
               <a:rPr lang="ko-KR" altLang="en-US" sz="1300">
                 <a:latin typeface="맑은 고딕"/>
               </a:rPr>
+              <a:t>그와 동시에 </a:t>
+            </a:r>
+            <a:r>
+              <a:rPr lang="en-US" altLang="ko-KR" sz="1300">
+                <a:latin typeface="맑은 고딕"/>
+              </a:rPr>
+              <a:t>Time </a:t>
+            </a:r>
+            <a:r>
+              <a:rPr lang="ko-KR" altLang="en-US" sz="1300">
+                <a:latin typeface="맑은 고딕"/>
+              </a:rPr>
+              <a:t>스레드도 함께 동작하여 시뮬레이터의 구동 시간을 측정하고</a:t>
+            </a:r>
+            <a:r>
+              <a:rPr lang="en-US" altLang="ko-KR" sz="1300">
+                <a:latin typeface="맑은 고딕"/>
+              </a:rPr>
+              <a:t>,</a:t>
+            </a:r>
+            <a:r>
+              <a:rPr lang="ko-KR" altLang="en-US" sz="1300">
+                <a:latin typeface="맑은 고딕"/>
+              </a:rPr>
+              <a:t> </a:t>
+            </a:r>
+            <a:endParaRPr lang="ko-KR" altLang="en-US" sz="1300">
+              <a:latin typeface="맑은 고딕"/>
+            </a:endParaRPr>
+          </a:p>
+          <a:p>
+            <a:pPr>
+              <a:defRPr/>
+            </a:pPr>
+            <a:r>
+              <a:rPr lang="ko-KR" altLang="en-US" sz="1300">
+                <a:latin typeface="맑은 고딕"/>
+              </a:rPr>
+              <a:t>웨이퍼의 출력과 </a:t>
+            </a:r>
+            <a:r>
+              <a:rPr lang="en-US" altLang="ko-KR" sz="1300">
+                <a:latin typeface="맑은 고딕"/>
+              </a:rPr>
+              <a:t>Throughtut</a:t>
+            </a:r>
+            <a:r>
+              <a:rPr lang="ko-KR" altLang="en-US" sz="1300">
+                <a:latin typeface="맑은 고딕"/>
+              </a:rPr>
+              <a:t>을 연산하도록 하였습니다</a:t>
+            </a:r>
+            <a:r>
+              <a:rPr lang="en-US" altLang="ko-KR" sz="1300">
+                <a:latin typeface="맑은 고딕"/>
+              </a:rPr>
+              <a:t>.</a:t>
+            </a:r>
+            <a:endParaRPr lang="en-US" altLang="ko-KR" sz="1300">
+              <a:latin typeface="맑은 고딕"/>
+            </a:endParaRPr>
+          </a:p>
+          <a:p>
+            <a:pPr>
+              <a:defRPr/>
+            </a:pPr>
+            <a:endParaRPr lang="en-US" altLang="ko-KR" sz="1300">
+              <a:latin typeface="맑은 고딕"/>
+            </a:endParaRPr>
+          </a:p>
+          <a:p>
+            <a:pPr>
+              <a:defRPr/>
+            </a:pPr>
+            <a:r>
+              <a:rPr lang="ko-KR" altLang="en-US" sz="1300">
+                <a:latin typeface="맑은 고딕"/>
+              </a:rPr>
+              <a:t>또한</a:t>
+            </a:r>
+            <a:r>
+              <a:rPr lang="en-US" altLang="ko-KR" sz="1300">
+                <a:latin typeface="맑은 고딕"/>
+              </a:rPr>
+              <a:t>,</a:t>
+            </a:r>
+            <a:r>
+              <a:rPr lang="ko-KR" altLang="en-US" sz="1300">
+                <a:latin typeface="맑은 고딕"/>
+              </a:rPr>
+              <a:t> 스레드는 동시성 확보를 위해 단일 스레드록 동작하는 것이 아닌 다음과 같이 멀티 스레드로 동작하도록 설계하였습니다</a:t>
+            </a:r>
+            <a:r>
+              <a:rPr lang="en-US" altLang="ko-KR" sz="1300">
+                <a:latin typeface="맑은 고딕"/>
+              </a:rPr>
+              <a:t>.</a:t>
+            </a:r>
+            <a:endParaRPr lang="en-US" altLang="ko-KR" sz="1300">
+              <a:latin typeface="맑은 고딕"/>
+            </a:endParaRPr>
+          </a:p>
+          <a:p>
+            <a:pPr>
+              <a:defRPr/>
+            </a:pPr>
+            <a:endParaRPr lang="en-US" altLang="ko-KR" sz="1300">
+              <a:latin typeface="맑은 고딕"/>
+            </a:endParaRPr>
+          </a:p>
+          <a:p>
+            <a:pPr>
+              <a:defRPr/>
+            </a:pPr>
+            <a:r>
+              <a:rPr lang="ko-KR" altLang="en-US" sz="1300">
+                <a:latin typeface="맑은 고딕"/>
+              </a:rPr>
               <a:t>좀 더 자세한 동작의 흐름은 잠시 뒤 뒤편에서의 시연을 통해 보여드리도록 하겠습니다</a:t>
             </a:r>
             <a:r>
@@ -1477,6 +1519,9 @@
               </a:rPr>
               <a:t>.</a:t>
             </a:r>
+            <a:endParaRPr lang="en-US" altLang="ko-KR" sz="1300">
+              <a:latin typeface="맑은 고딕"/>
+            </a:endParaRPr>
           </a:p>
         </p:txBody>
       </p:sp>
@@ -1518,7 +1563,7 @@
 </file>
 
 <file path=ppt/notesSlides/notesSlide14.xml><?xml version="1.0" encoding="utf-8"?>
-<p:notes xmlns:a="http://schemas.openxmlformats.org/drawingml/2006/main" xmlns:r="http://schemas.openxmlformats.org/officeDocument/2006/relationships" xmlns:p="http://schemas.openxmlformats.org/presentationml/2006/main">
+<p:notes xmlns:r="http://schemas.openxmlformats.org/officeDocument/2006/relationships" xmlns:c="http://schemas.openxmlformats.org/drawingml/2006/chart" xmlns:a="http://schemas.openxmlformats.org/drawingml/2006/main" xmlns:dgm="http://schemas.openxmlformats.org/drawingml/2006/diagram" xmlns:dsp="http://schemas.microsoft.com/office/drawing/2008/diagram" xmlns:p="http://schemas.openxmlformats.org/presentationml/2006/main">
   <p:cSld>
     <p:spTree>
       <p:nvGrpSpPr>
@@ -1541,7 +1586,7 @@
             <a:spLocks noGrp="1" noRot="1" noChangeAspect="1" noTextEdit="1"/>
           </p:cNvSpPr>
           <p:nvPr>
-            <p:ph type="sldImg"/>
+            <p:ph type="sldImg" idx="0"/>
           </p:nvPr>
         </p:nvSpPr>
         <p:spPr/>
@@ -1597,6 +1642,9 @@
               </a:rPr>
               <a:t>.</a:t>
             </a:r>
+            <a:endParaRPr lang="en-US" altLang="ko-KR" sz="1300">
+              <a:latin typeface="맑은 고딕"/>
+            </a:endParaRPr>
           </a:p>
           <a:p>
             <a:pPr>
@@ -1664,6 +1712,9 @@
               </a:rPr>
               <a:t>.</a:t>
             </a:r>
+            <a:endParaRPr lang="en-US" altLang="ko-KR" sz="1300">
+              <a:latin typeface="맑은 고딕"/>
+            </a:endParaRPr>
           </a:p>
           <a:p>
             <a:pPr>
@@ -1731,6 +1782,9 @@
               </a:rPr>
               <a:t>.</a:t>
             </a:r>
+            <a:endParaRPr lang="en-US" altLang="ko-KR" sz="1300">
+              <a:latin typeface="맑은 고딕"/>
+            </a:endParaRPr>
           </a:p>
           <a:p>
             <a:pPr>
@@ -1786,6 +1840,9 @@
               </a:rPr>
               <a:t>.</a:t>
             </a:r>
+            <a:endParaRPr lang="en-US" altLang="ko-KR" sz="1300">
+              <a:latin typeface="맑은 고딕"/>
+            </a:endParaRPr>
           </a:p>
         </p:txBody>
       </p:sp>
@@ -1827,7 +1884,7 @@
 </file>
 
 <file path=ppt/notesSlides/notesSlide15.xml><?xml version="1.0" encoding="utf-8"?>
-<p:notes xmlns:a="http://schemas.openxmlformats.org/drawingml/2006/main" xmlns:r="http://schemas.openxmlformats.org/officeDocument/2006/relationships" xmlns:p="http://schemas.openxmlformats.org/presentationml/2006/main">
+<p:notes xmlns:r="http://schemas.openxmlformats.org/officeDocument/2006/relationships" xmlns:c="http://schemas.openxmlformats.org/drawingml/2006/chart" xmlns:a="http://schemas.openxmlformats.org/drawingml/2006/main" xmlns:dgm="http://schemas.openxmlformats.org/drawingml/2006/diagram" xmlns:dsp="http://schemas.microsoft.com/office/drawing/2008/diagram" xmlns:p="http://schemas.openxmlformats.org/presentationml/2006/main">
   <p:cSld>
     <p:spTree>
       <p:nvGrpSpPr>
@@ -1850,7 +1907,7 @@
             <a:spLocks noGrp="1" noRot="1" noChangeAspect="1" noTextEdit="1"/>
           </p:cNvSpPr>
           <p:nvPr>
-            <p:ph type="sldImg"/>
+            <p:ph type="sldImg" idx="0"/>
           </p:nvPr>
         </p:nvSpPr>
         <p:spPr/>
@@ -1906,6 +1963,9 @@
               </a:rPr>
               <a:t>.</a:t>
             </a:r>
+            <a:endParaRPr lang="en-US" altLang="ko-KR" sz="1300">
+              <a:latin typeface="맑은 고딕"/>
+            </a:endParaRPr>
           </a:p>
           <a:p>
             <a:pPr>
@@ -1973,6 +2033,9 @@
               </a:rPr>
               <a:t>.</a:t>
             </a:r>
+            <a:endParaRPr lang="en-US" altLang="ko-KR" sz="1300">
+              <a:latin typeface="맑은 고딕"/>
+            </a:endParaRPr>
           </a:p>
           <a:p>
             <a:pPr>
@@ -2040,6 +2103,9 @@
               </a:rPr>
               <a:t>.</a:t>
             </a:r>
+            <a:endParaRPr lang="en-US" altLang="ko-KR" sz="1300">
+              <a:latin typeface="맑은 고딕"/>
+            </a:endParaRPr>
           </a:p>
           <a:p>
             <a:pPr>
@@ -2095,6 +2161,9 @@
               </a:rPr>
               <a:t>.</a:t>
             </a:r>
+            <a:endParaRPr lang="en-US" altLang="ko-KR" sz="1300">
+              <a:latin typeface="맑은 고딕"/>
+            </a:endParaRPr>
           </a:p>
         </p:txBody>
       </p:sp>
@@ -2136,7 +2205,7 @@
 </file>
 
 <file path=ppt/notesSlides/notesSlide16.xml><?xml version="1.0" encoding="utf-8"?>
-<p:notes xmlns:a="http://schemas.openxmlformats.org/drawingml/2006/main" xmlns:r="http://schemas.openxmlformats.org/officeDocument/2006/relationships" xmlns:p="http://schemas.openxmlformats.org/presentationml/2006/main">
+<p:notes xmlns:r="http://schemas.openxmlformats.org/officeDocument/2006/relationships" xmlns:c="http://schemas.openxmlformats.org/drawingml/2006/chart" xmlns:a="http://schemas.openxmlformats.org/drawingml/2006/main" xmlns:dgm="http://schemas.openxmlformats.org/drawingml/2006/diagram" xmlns:dsp="http://schemas.microsoft.com/office/drawing/2008/diagram" xmlns:p="http://schemas.openxmlformats.org/presentationml/2006/main">
   <p:cSld>
     <p:spTree>
       <p:nvGrpSpPr>
@@ -2241,6 +2310,13 @@
               </a:rPr>
               <a:t>.</a:t>
             </a:r>
+            <a:endParaRPr lang="en-US" altLang="ko-KR" sz="1300" b="0" i="0" u="none" strike="noStrike">
+              <a:solidFill>
+                <a:srgbClr val="000000"/>
+              </a:solidFill>
+              <a:latin typeface="맑은 고딕"/>
+              <a:cs typeface="돋움"/>
+            </a:endParaRPr>
           </a:p>
           <a:p>
             <a:pPr>
@@ -2326,6 +2402,13 @@
               </a:rPr>
               <a:t> </a:t>
             </a:r>
+            <a:endParaRPr lang="ko-KR" altLang="en-US" sz="1300" b="0" i="0" u="none" strike="noStrike">
+              <a:solidFill>
+                <a:srgbClr val="000000"/>
+              </a:solidFill>
+              <a:latin typeface="맑은 고딕"/>
+              <a:cs typeface="돋움"/>
+            </a:endParaRPr>
           </a:p>
           <a:p>
             <a:pPr>
@@ -2400,6 +2483,13 @@
               </a:rPr>
               <a:t>.</a:t>
             </a:r>
+            <a:endParaRPr lang="en-US" altLang="ko-KR" sz="1300" b="0" i="0" u="none" strike="noStrike">
+              <a:solidFill>
+                <a:srgbClr val="000000"/>
+              </a:solidFill>
+              <a:latin typeface="맑은 고딕"/>
+              <a:cs typeface="돋움"/>
+            </a:endParaRPr>
           </a:p>
           <a:p>
             <a:pPr>
@@ -2505,6 +2595,13 @@
               </a:rPr>
               <a:t> </a:t>
             </a:r>
+            <a:endParaRPr lang="ko-KR" altLang="en-US" sz="1300" b="0" i="0" u="none" strike="noStrike">
+              <a:solidFill>
+                <a:srgbClr val="000000"/>
+              </a:solidFill>
+              <a:latin typeface="맑은 고딕"/>
+              <a:cs typeface="돋움"/>
+            </a:endParaRPr>
           </a:p>
           <a:p>
             <a:pPr>
@@ -2559,6 +2656,13 @@
               </a:rPr>
               <a:t>.</a:t>
             </a:r>
+            <a:endParaRPr lang="en-US" altLang="ko-KR" sz="1300" b="0" i="0" u="none" strike="noStrike">
+              <a:solidFill>
+                <a:srgbClr val="000000"/>
+              </a:solidFill>
+              <a:latin typeface="맑은 고딕"/>
+              <a:cs typeface="돋움"/>
+            </a:endParaRPr>
           </a:p>
         </p:txBody>
       </p:sp>
@@ -2600,7 +2704,7 @@
 </file>
 
 <file path=ppt/notesSlides/notesSlide17.xml><?xml version="1.0" encoding="utf-8"?>
-<p:notes xmlns:a="http://schemas.openxmlformats.org/drawingml/2006/main" xmlns:r="http://schemas.openxmlformats.org/officeDocument/2006/relationships" xmlns:p="http://schemas.openxmlformats.org/presentationml/2006/main">
+<p:notes xmlns:r="http://schemas.openxmlformats.org/officeDocument/2006/relationships" xmlns:c="http://schemas.openxmlformats.org/drawingml/2006/chart" xmlns:a="http://schemas.openxmlformats.org/drawingml/2006/main" xmlns:dgm="http://schemas.openxmlformats.org/drawingml/2006/diagram" xmlns:dsp="http://schemas.microsoft.com/office/drawing/2008/diagram" xmlns:p="http://schemas.openxmlformats.org/presentationml/2006/main">
   <p:cSld>
     <p:spTree>
       <p:nvGrpSpPr>
@@ -2697,6 +2801,7 @@
               <a:rPr lang="en-US" altLang="ko-KR"/>
               <a:t>.</a:t>
             </a:r>
+            <a:endParaRPr lang="en-US" altLang="ko-KR"/>
           </a:p>
           <a:p>
             <a:pPr>
@@ -2742,6 +2847,7 @@
               <a:rPr lang="en-US" altLang="ko-KR"/>
               <a:t>,</a:t>
             </a:r>
+            <a:endParaRPr lang="en-US" altLang="ko-KR"/>
           </a:p>
           <a:p>
             <a:pPr>
@@ -2772,6 +2878,7 @@
               <a:rPr lang="en-US" altLang="ko-KR"/>
               <a:t>.</a:t>
             </a:r>
+            <a:endParaRPr lang="en-US" altLang="ko-KR"/>
           </a:p>
           <a:p>
             <a:pPr>
@@ -2821,6 +2928,7 @@
               <a:rPr lang="ko-KR" altLang="en-US"/>
               <a:t> 모듈 하단부에 위치한 프로그래스 바를 추가함으로써 </a:t>
             </a:r>
+            <a:endParaRPr lang="ko-KR" altLang="en-US"/>
           </a:p>
           <a:p>
             <a:pPr>
@@ -2847,6 +2955,7 @@
               <a:rPr lang="en-US" altLang="ko-KR"/>
               <a:t>.</a:t>
             </a:r>
+            <a:endParaRPr lang="en-US" altLang="ko-KR"/>
           </a:p>
         </p:txBody>
       </p:sp>
@@ -2888,7 +2997,7 @@
 </file>
 
 <file path=ppt/notesSlides/notesSlide18.xml><?xml version="1.0" encoding="utf-8"?>
-<p:notes xmlns:a="http://schemas.openxmlformats.org/drawingml/2006/main" xmlns:r="http://schemas.openxmlformats.org/officeDocument/2006/relationships" xmlns:p="http://schemas.openxmlformats.org/presentationml/2006/main">
+<p:notes xmlns:r="http://schemas.openxmlformats.org/officeDocument/2006/relationships" xmlns:c="http://schemas.openxmlformats.org/drawingml/2006/chart" xmlns:a="http://schemas.openxmlformats.org/drawingml/2006/main" xmlns:dgm="http://schemas.openxmlformats.org/drawingml/2006/diagram" xmlns:dsp="http://schemas.microsoft.com/office/drawing/2008/diagram" xmlns:p="http://schemas.openxmlformats.org/presentationml/2006/main">
   <p:cSld>
     <p:spTree>
       <p:nvGrpSpPr>
@@ -2969,6 +3078,7 @@
               <a:rPr lang="en-US" altLang="ko-KR"/>
               <a:t>.</a:t>
             </a:r>
+            <a:endParaRPr lang="en-US" altLang="ko-KR"/>
           </a:p>
           <a:p>
             <a:pPr>
@@ -2991,6 +3101,7 @@
               <a:rPr lang="en-US" altLang="ko-KR"/>
               <a:t>,</a:t>
             </a:r>
+            <a:endParaRPr lang="en-US" altLang="ko-KR"/>
           </a:p>
           <a:p>
             <a:pPr>
@@ -3009,6 +3120,7 @@
               <a:rPr lang="ko-KR" altLang="en-US"/>
               <a:t>장비에 대해 잘 모르는 사용자가 접하게 되더라도 </a:t>
             </a:r>
+            <a:endParaRPr lang="ko-KR" altLang="en-US"/>
           </a:p>
           <a:p>
             <a:pPr>
@@ -3031,6 +3143,7 @@
               <a:rPr lang="en-US" altLang="ko-KR"/>
               <a:t>.</a:t>
             </a:r>
+            <a:endParaRPr lang="en-US" altLang="ko-KR"/>
           </a:p>
           <a:p>
             <a:pPr>
@@ -3072,6 +3185,7 @@
               <a:rPr lang="ko-KR" altLang="en-US"/>
               <a:t> 외부에서는 파악하기 힘든 웨이퍼 교환 과정 또한 확인할 수 있기에 공정에 대한 </a:t>
             </a:r>
+            <a:endParaRPr lang="ko-KR" altLang="en-US"/>
           </a:p>
           <a:p>
             <a:pPr>
@@ -3094,6 +3208,7 @@
               <a:rPr lang="en-US" altLang="ko-KR"/>
               <a:t>.</a:t>
             </a:r>
+            <a:endParaRPr lang="en-US" altLang="ko-KR"/>
           </a:p>
           <a:p>
             <a:pPr>
@@ -3131,6 +3246,7 @@
               <a:rPr lang="en-US" altLang="ko-KR"/>
               <a:t>,</a:t>
             </a:r>
+            <a:endParaRPr lang="en-US" altLang="ko-KR"/>
           </a:p>
           <a:p>
             <a:pPr>
@@ -3153,6 +3269,7 @@
               <a:rPr lang="en-US" altLang="ko-KR"/>
               <a:t>.</a:t>
             </a:r>
+            <a:endParaRPr lang="en-US" altLang="ko-KR"/>
           </a:p>
         </p:txBody>
       </p:sp>
@@ -3194,7 +3311,7 @@
 </file>
 
 <file path=ppt/notesSlides/notesSlide19.xml><?xml version="1.0" encoding="utf-8"?>
-<p:notes xmlns:a="http://schemas.openxmlformats.org/drawingml/2006/main" xmlns:r="http://schemas.openxmlformats.org/officeDocument/2006/relationships" xmlns:p="http://schemas.openxmlformats.org/presentationml/2006/main">
+<p:notes xmlns:r="http://schemas.openxmlformats.org/officeDocument/2006/relationships" xmlns:c="http://schemas.openxmlformats.org/drawingml/2006/chart" xmlns:a="http://schemas.openxmlformats.org/drawingml/2006/main" xmlns:dgm="http://schemas.openxmlformats.org/drawingml/2006/diagram" xmlns:dsp="http://schemas.microsoft.com/office/drawing/2008/diagram" xmlns:p="http://schemas.openxmlformats.org/presentationml/2006/main">
   <p:cSld>
     <p:spTree>
       <p:nvGrpSpPr>
@@ -3281,6 +3398,14 @@
               </a:rPr>
               <a:t>.</a:t>
             </a:r>
+            <a:endParaRPr lang="EN-US" b="0" i="0" u="none" strike="noStrike">
+              <a:solidFill>
+                <a:srgbClr val="000000"/>
+              </a:solidFill>
+              <a:latin typeface="돋움"/>
+              <a:ea typeface="돋움"/>
+              <a:cs typeface="돋움"/>
+            </a:endParaRPr>
           </a:p>
           <a:p>
             <a:pPr>
@@ -3339,6 +3464,14 @@
               </a:rPr>
               <a:t>.</a:t>
             </a:r>
+            <a:endParaRPr lang="EN-US" b="0" i="0" u="none" strike="noStrike">
+              <a:solidFill>
+                <a:srgbClr val="000000"/>
+              </a:solidFill>
+              <a:latin typeface="돋움"/>
+              <a:ea typeface="돋움"/>
+              <a:cs typeface="돋움"/>
+            </a:endParaRPr>
           </a:p>
           <a:p>
             <a:pPr>
@@ -3529,6 +3662,14 @@
               </a:rPr>
               <a:t>.</a:t>
             </a:r>
+            <a:endParaRPr lang="EN-US" b="0" i="0" u="none" strike="noStrike">
+              <a:solidFill>
+                <a:srgbClr val="000000"/>
+              </a:solidFill>
+              <a:latin typeface="돋움"/>
+              <a:ea typeface="돋움"/>
+              <a:cs typeface="돋움"/>
+            </a:endParaRPr>
           </a:p>
           <a:p>
             <a:pPr>
@@ -3609,6 +3750,14 @@
               </a:rPr>
               <a:t>.</a:t>
             </a:r>
+            <a:endParaRPr lang="EN-US" b="0" i="0" u="none" strike="noStrike">
+              <a:solidFill>
+                <a:srgbClr val="000000"/>
+              </a:solidFill>
+              <a:latin typeface="돋움"/>
+              <a:ea typeface="돋움"/>
+              <a:cs typeface="돋움"/>
+            </a:endParaRPr>
           </a:p>
           <a:p>
             <a:pPr>
@@ -3689,6 +3838,14 @@
               </a:rPr>
               <a:t>.</a:t>
             </a:r>
+            <a:endParaRPr lang="EN-US" b="0" i="0" u="none" strike="noStrike">
+              <a:solidFill>
+                <a:srgbClr val="000000"/>
+              </a:solidFill>
+              <a:latin typeface="돋움"/>
+              <a:ea typeface="돋움"/>
+              <a:cs typeface="돋움"/>
+            </a:endParaRPr>
           </a:p>
           <a:p>
             <a:pPr>
@@ -3780,6 +3937,14 @@
               </a:rPr>
               <a:t>.</a:t>
             </a:r>
+            <a:endParaRPr lang="EN-US" b="0" i="0" u="none" strike="noStrike">
+              <a:solidFill>
+                <a:srgbClr val="000000"/>
+              </a:solidFill>
+              <a:latin typeface="돋움"/>
+              <a:ea typeface="돋움"/>
+              <a:cs typeface="돋움"/>
+            </a:endParaRPr>
           </a:p>
           <a:p>
             <a:pPr>
@@ -3902,7 +4067,7 @@
 </file>
 
 <file path=ppt/notesSlides/notesSlide2.xml><?xml version="1.0" encoding="utf-8"?>
-<p:notes xmlns:a="http://schemas.openxmlformats.org/drawingml/2006/main" xmlns:r="http://schemas.openxmlformats.org/officeDocument/2006/relationships" xmlns:p="http://schemas.openxmlformats.org/presentationml/2006/main">
+<p:notes xmlns:r="http://schemas.openxmlformats.org/officeDocument/2006/relationships" xmlns:c="http://schemas.openxmlformats.org/drawingml/2006/chart" xmlns:a="http://schemas.openxmlformats.org/drawingml/2006/main" xmlns:dgm="http://schemas.openxmlformats.org/drawingml/2006/diagram" xmlns:dsp="http://schemas.microsoft.com/office/drawing/2008/diagram" xmlns:p="http://schemas.openxmlformats.org/presentationml/2006/main">
   <p:cSld>
     <p:spTree>
       <p:nvGrpSpPr>
@@ -3970,6 +4135,7 @@
               <a:rPr lang="en-US" altLang="ko-KR"/>
               <a:t> 총 5단계로 구성 되어있습니다.</a:t>
             </a:r>
+            <a:endParaRPr lang="en-US" altLang="ko-KR"/>
           </a:p>
         </p:txBody>
       </p:sp>
@@ -4011,7 +4177,7 @@
 </file>
 
 <file path=ppt/notesSlides/notesSlide20.xml><?xml version="1.0" encoding="utf-8"?>
-<p:notes xmlns:a="http://schemas.openxmlformats.org/drawingml/2006/main" xmlns:r="http://schemas.openxmlformats.org/officeDocument/2006/relationships" xmlns:p="http://schemas.openxmlformats.org/presentationml/2006/main">
+<p:notes xmlns:r="http://schemas.openxmlformats.org/officeDocument/2006/relationships" xmlns:c="http://schemas.openxmlformats.org/drawingml/2006/chart" xmlns:a="http://schemas.openxmlformats.org/drawingml/2006/main" xmlns:dgm="http://schemas.openxmlformats.org/drawingml/2006/diagram" xmlns:dsp="http://schemas.microsoft.com/office/drawing/2008/diagram" xmlns:p="http://schemas.openxmlformats.org/presentationml/2006/main">
   <p:cSld>
     <p:spTree>
       <p:nvGrpSpPr>
@@ -4118,6 +4284,14 @@
               </a:rPr>
               <a:t>.</a:t>
             </a:r>
+            <a:endParaRPr lang="EN-US" b="0" i="0" u="none" strike="noStrike">
+              <a:solidFill>
+                <a:srgbClr val="000000"/>
+              </a:solidFill>
+              <a:latin typeface="맑은 고딕"/>
+              <a:ea typeface="맑은 고딕"/>
+              <a:cs typeface="돋움"/>
+            </a:endParaRPr>
           </a:p>
           <a:p>
             <a:pPr>
@@ -4217,6 +4391,14 @@
               </a:rPr>
               <a:t>.</a:t>
             </a:r>
+            <a:endParaRPr lang="EN-US" b="0" i="0" u="none" strike="noStrike">
+              <a:solidFill>
+                <a:srgbClr val="000000"/>
+              </a:solidFill>
+              <a:latin typeface="맑은 고딕"/>
+              <a:ea typeface="맑은 고딕"/>
+              <a:cs typeface="돋움"/>
+            </a:endParaRPr>
           </a:p>
           <a:p>
             <a:pPr>
@@ -4273,6 +4455,14 @@
               </a:rPr>
               <a:t>.</a:t>
             </a:r>
+            <a:endParaRPr lang="EN-US" b="0" i="0" u="none" strike="noStrike">
+              <a:solidFill>
+                <a:srgbClr val="000000"/>
+              </a:solidFill>
+              <a:latin typeface="맑은 고딕"/>
+              <a:ea typeface="맑은 고딕"/>
+              <a:cs typeface="돋움"/>
+            </a:endParaRPr>
           </a:p>
           <a:p>
             <a:pPr>
@@ -4329,6 +4519,14 @@
               </a:rPr>
               <a:t>.</a:t>
             </a:r>
+            <a:endParaRPr lang="EN-US" b="0" i="0" u="none" strike="noStrike">
+              <a:solidFill>
+                <a:srgbClr val="000000"/>
+              </a:solidFill>
+              <a:latin typeface="맑은 고딕"/>
+              <a:ea typeface="맑은 고딕"/>
+              <a:cs typeface="돋움"/>
+            </a:endParaRPr>
           </a:p>
           <a:p>
             <a:pPr>
@@ -4437,6 +4635,13 @@
               </a:rPr>
               <a:t>을 </a:t>
             </a:r>
+            <a:endParaRPr b="0" i="0" u="none" strike="noStrike">
+              <a:solidFill>
+                <a:srgbClr val="000000"/>
+              </a:solidFill>
+              <a:latin typeface="맑은 고딕"/>
+              <a:cs typeface="돋움"/>
+            </a:endParaRPr>
           </a:p>
           <a:p>
             <a:pPr>
@@ -4514,7 +4719,7 @@
 </file>
 
 <file path=ppt/notesSlides/notesSlide21.xml><?xml version="1.0" encoding="utf-8"?>
-<p:notes xmlns:a="http://schemas.openxmlformats.org/drawingml/2006/main" xmlns:r="http://schemas.openxmlformats.org/officeDocument/2006/relationships" xmlns:p="http://schemas.openxmlformats.org/presentationml/2006/main">
+<p:notes xmlns:r="http://schemas.openxmlformats.org/officeDocument/2006/relationships" xmlns:c="http://schemas.openxmlformats.org/drawingml/2006/chart" xmlns:a="http://schemas.openxmlformats.org/drawingml/2006/main" xmlns:dgm="http://schemas.openxmlformats.org/drawingml/2006/diagram" xmlns:dsp="http://schemas.microsoft.com/office/drawing/2008/diagram" xmlns:p="http://schemas.openxmlformats.org/presentationml/2006/main">
   <p:cSld>
     <p:spTree>
       <p:nvGrpSpPr>
@@ -4537,7 +4742,7 @@
             <a:spLocks noGrp="1" noRot="1" noChangeAspect="1" noTextEdit="1"/>
           </p:cNvSpPr>
           <p:nvPr>
-            <p:ph type="sldImg"/>
+            <p:ph type="sldImg" idx="0"/>
           </p:nvPr>
         </p:nvSpPr>
         <p:spPr/>
@@ -4590,6 +4795,14 @@
               </a:rPr>
               <a:t>.</a:t>
             </a:r>
+            <a:endParaRPr lang="EN-US" sz="1300" b="0" i="0" u="none" strike="noStrike">
+              <a:solidFill>
+                <a:srgbClr val="000000"/>
+              </a:solidFill>
+              <a:latin typeface="맑은 고딕"/>
+              <a:ea typeface="맑은 고딕"/>
+              <a:cs typeface="돋움"/>
+            </a:endParaRPr>
           </a:p>
           <a:p>
             <a:pPr>
@@ -4625,6 +4838,14 @@
               </a:rPr>
               <a:t>, </a:t>
             </a:r>
+            <a:endParaRPr lang="EN-US" sz="1300" b="0" i="0" u="none" strike="noStrike">
+              <a:solidFill>
+                <a:srgbClr val="000000"/>
+              </a:solidFill>
+              <a:latin typeface="맑은 고딕"/>
+              <a:ea typeface="맑은 고딕"/>
+              <a:cs typeface="돋움"/>
+            </a:endParaRPr>
           </a:p>
           <a:p>
             <a:pPr>
@@ -4660,6 +4881,14 @@
               </a:rPr>
               <a:t>.</a:t>
             </a:r>
+            <a:endParaRPr lang="EN-US" sz="1300" b="0" i="0" u="none" strike="noStrike">
+              <a:solidFill>
+                <a:srgbClr val="000000"/>
+              </a:solidFill>
+              <a:latin typeface="맑은 고딕"/>
+              <a:ea typeface="맑은 고딕"/>
+              <a:cs typeface="돋움"/>
+            </a:endParaRPr>
           </a:p>
           <a:p>
             <a:pPr>
@@ -4736,6 +4965,13 @@
               </a:rPr>
               <a:t>버튼을 클릭하게 되면 </a:t>
             </a:r>
+            <a:endParaRPr sz="1300" b="0" i="0" u="none" strike="noStrike">
+              <a:solidFill>
+                <a:srgbClr val="000000"/>
+              </a:solidFill>
+              <a:latin typeface="맑은 고딕"/>
+              <a:cs typeface="돋움"/>
+            </a:endParaRPr>
           </a:p>
           <a:p>
             <a:pPr>
@@ -4771,6 +5007,14 @@
               </a:rPr>
               <a:t>, </a:t>
             </a:r>
+            <a:endParaRPr lang="EN-US" sz="1300" b="0" i="0" u="none" strike="noStrike">
+              <a:solidFill>
+                <a:srgbClr val="000000"/>
+              </a:solidFill>
+              <a:latin typeface="맑은 고딕"/>
+              <a:ea typeface="맑은 고딕"/>
+              <a:cs typeface="돋움"/>
+            </a:endParaRPr>
           </a:p>
           <a:p>
             <a:pPr>
@@ -4806,6 +5050,14 @@
               </a:rPr>
               <a:t>.</a:t>
             </a:r>
+            <a:endParaRPr lang="EN-US" sz="1300" b="0" i="0" u="none" strike="noStrike">
+              <a:solidFill>
+                <a:srgbClr val="000000"/>
+              </a:solidFill>
+              <a:latin typeface="맑은 고딕"/>
+              <a:ea typeface="맑은 고딕"/>
+              <a:cs typeface="돋움"/>
+            </a:endParaRPr>
           </a:p>
           <a:p>
             <a:pPr>
@@ -4926,6 +5178,14 @@
               </a:rPr>
               <a:t>점을 고려하여 </a:t>
             </a:r>
+            <a:endParaRPr lang="ko-KR" altLang="en-US" sz="1300" b="0" i="0" u="none" strike="noStrike">
+              <a:solidFill>
+                <a:srgbClr val="000000"/>
+              </a:solidFill>
+              <a:latin typeface="맑은 고딕"/>
+              <a:ea typeface="맑은 고딕"/>
+              <a:cs typeface="돋움"/>
+            </a:endParaRPr>
           </a:p>
           <a:p>
             <a:pPr>
@@ -4962,6 +5222,14 @@
               </a:rPr>
               <a:t>.</a:t>
             </a:r>
+            <a:endParaRPr lang="en-US" altLang="ko-KR" sz="1300" b="0" i="0" u="none" strike="noStrike">
+              <a:solidFill>
+                <a:srgbClr val="000000"/>
+              </a:solidFill>
+              <a:latin typeface="맑은 고딕"/>
+              <a:ea typeface="맑은 고딕"/>
+              <a:cs typeface="돋움"/>
+            </a:endParaRPr>
           </a:p>
         </p:txBody>
       </p:sp>
@@ -5003,7 +5271,7 @@
 </file>
 
 <file path=ppt/notesSlides/notesSlide22.xml><?xml version="1.0" encoding="utf-8"?>
-<p:notes xmlns:a="http://schemas.openxmlformats.org/drawingml/2006/main" xmlns:r="http://schemas.openxmlformats.org/officeDocument/2006/relationships" xmlns:p="http://schemas.openxmlformats.org/presentationml/2006/main">
+<p:notes xmlns:r="http://schemas.openxmlformats.org/officeDocument/2006/relationships" xmlns:c="http://schemas.openxmlformats.org/drawingml/2006/chart" xmlns:a="http://schemas.openxmlformats.org/drawingml/2006/main" xmlns:dgm="http://schemas.openxmlformats.org/drawingml/2006/diagram" xmlns:dsp="http://schemas.microsoft.com/office/drawing/2008/diagram" xmlns:p="http://schemas.openxmlformats.org/presentationml/2006/main">
   <p:cSld>
     <p:spTree>
       <p:nvGrpSpPr>
@@ -5075,6 +5343,7 @@
               <a:rPr lang="en-US" altLang="ko-KR"/>
               <a:t>.</a:t>
             </a:r>
+            <a:endParaRPr lang="en-US" altLang="ko-KR"/>
           </a:p>
           <a:p>
             <a:pPr>
@@ -5094,6 +5363,7 @@
               <a:rPr lang="en-US" altLang="ko-KR"/>
               <a:t>,</a:t>
             </a:r>
+            <a:endParaRPr lang="en-US" altLang="ko-KR"/>
           </a:p>
           <a:p>
             <a:pPr>
@@ -5113,6 +5383,7 @@
               <a:rPr lang="ko-KR" altLang="en-US"/>
               <a:t>를 직관적으로 설계하여 사용자의 편의성을 향상시켰고</a:t>
             </a:r>
+            <a:endParaRPr lang="ko-KR" altLang="en-US"/>
           </a:p>
           <a:p>
             <a:pPr>
@@ -5143,6 +5414,7 @@
               <a:rPr lang="en-US" altLang="ko-KR"/>
               <a:t>.</a:t>
             </a:r>
+            <a:endParaRPr lang="en-US" altLang="ko-KR"/>
           </a:p>
           <a:p>
             <a:pPr>
@@ -5188,6 +5460,7 @@
               <a:rPr lang="en-US" altLang="ko-KR"/>
               <a:t>,</a:t>
             </a:r>
+            <a:endParaRPr lang="en-US" altLang="ko-KR"/>
           </a:p>
           <a:p>
             <a:pPr>
@@ -5210,6 +5483,7 @@
               <a:rPr lang="en-US" altLang="ko-KR"/>
               <a:t>.</a:t>
             </a:r>
+            <a:endParaRPr lang="en-US" altLang="ko-KR"/>
           </a:p>
         </p:txBody>
       </p:sp>
@@ -5251,7 +5525,7 @@
 </file>
 
 <file path=ppt/notesSlides/notesSlide23.xml><?xml version="1.0" encoding="utf-8"?>
-<p:notes xmlns:a="http://schemas.openxmlformats.org/drawingml/2006/main" xmlns:r="http://schemas.openxmlformats.org/officeDocument/2006/relationships" xmlns:p="http://schemas.openxmlformats.org/presentationml/2006/main">
+<p:notes xmlns:r="http://schemas.openxmlformats.org/officeDocument/2006/relationships" xmlns:c="http://schemas.openxmlformats.org/drawingml/2006/chart" xmlns:a="http://schemas.openxmlformats.org/drawingml/2006/main" xmlns:dgm="http://schemas.openxmlformats.org/drawingml/2006/diagram" xmlns:dsp="http://schemas.microsoft.com/office/drawing/2008/diagram" xmlns:p="http://schemas.openxmlformats.org/presentationml/2006/main">
   <p:cSld>
     <p:spTree>
       <p:nvGrpSpPr>
@@ -5331,6 +5605,7 @@
               <a:rPr lang="en-US" altLang="ko-KR"/>
               <a:t>.</a:t>
             </a:r>
+            <a:endParaRPr lang="en-US" altLang="ko-KR"/>
           </a:p>
           <a:p>
             <a:pPr>
@@ -5350,6 +5625,7 @@
               <a:rPr lang="en-US" altLang="ko-KR"/>
               <a:t>.</a:t>
             </a:r>
+            <a:endParaRPr lang="en-US" altLang="ko-KR"/>
           </a:p>
         </p:txBody>
       </p:sp>
@@ -5391,7 +5667,7 @@
 </file>
 
 <file path=ppt/notesSlides/notesSlide3.xml><?xml version="1.0" encoding="utf-8"?>
-<p:notes xmlns:a="http://schemas.openxmlformats.org/drawingml/2006/main" xmlns:r="http://schemas.openxmlformats.org/officeDocument/2006/relationships" xmlns:p="http://schemas.openxmlformats.org/presentationml/2006/main">
+<p:notes xmlns:r="http://schemas.openxmlformats.org/officeDocument/2006/relationships" xmlns:c="http://schemas.openxmlformats.org/drawingml/2006/chart" xmlns:a="http://schemas.openxmlformats.org/drawingml/2006/main" xmlns:dgm="http://schemas.openxmlformats.org/drawingml/2006/diagram" xmlns:dsp="http://schemas.microsoft.com/office/drawing/2008/diagram" xmlns:p="http://schemas.openxmlformats.org/presentationml/2006/main">
   <p:cSld>
     <p:spTree>
       <p:nvGrpSpPr>
@@ -5463,6 +5739,7 @@
               <a:rPr lang="en-US" altLang="ko-KR"/>
               <a:t>.</a:t>
             </a:r>
+            <a:endParaRPr lang="en-US" altLang="ko-KR"/>
           </a:p>
           <a:p>
             <a:pPr>
@@ -5502,6 +5779,7 @@
               <a:rPr lang="ko-KR" altLang="en-US"/>
               <a:t> 설계를 진행하였고 </a:t>
             </a:r>
+            <a:endParaRPr lang="ko-KR" altLang="en-US"/>
           </a:p>
           <a:p>
             <a:pPr>
@@ -5519,6 +5797,7 @@
               <a:rPr lang="en-US" altLang="ko-KR"/>
               <a:t>.</a:t>
             </a:r>
+            <a:endParaRPr lang="en-US" altLang="ko-KR"/>
           </a:p>
           <a:p>
             <a:pPr>
@@ -5562,6 +5841,7 @@
               <a:rPr lang="en-US" altLang="ko-KR"/>
               <a:t>.</a:t>
             </a:r>
+            <a:endParaRPr lang="en-US" altLang="ko-KR"/>
           </a:p>
           <a:p>
             <a:pPr>
@@ -5597,6 +5877,7 @@
               <a:rPr lang="en-US" altLang="ko-KR"/>
               <a:t>.</a:t>
             </a:r>
+            <a:endParaRPr lang="en-US" altLang="ko-KR"/>
           </a:p>
           <a:p>
             <a:pPr>
@@ -5644,6 +5925,7 @@
               <a:rPr lang="ko-KR" altLang="en-US"/>
               <a:t> </a:t>
             </a:r>
+            <a:endParaRPr lang="ko-KR" altLang="en-US"/>
           </a:p>
           <a:p>
             <a:pPr>
@@ -5673,6 +5955,7 @@
               <a:rPr lang="en-US" altLang="ko-KR"/>
               <a:t>.</a:t>
             </a:r>
+            <a:endParaRPr lang="en-US" altLang="ko-KR"/>
           </a:p>
         </p:txBody>
       </p:sp>
@@ -5714,7 +5997,7 @@
 </file>
 
 <file path=ppt/notesSlides/notesSlide4.xml><?xml version="1.0" encoding="utf-8"?>
-<p:notes xmlns:a="http://schemas.openxmlformats.org/drawingml/2006/main" xmlns:r="http://schemas.openxmlformats.org/officeDocument/2006/relationships" xmlns:p="http://schemas.openxmlformats.org/presentationml/2006/main">
+<p:notes xmlns:r="http://schemas.openxmlformats.org/officeDocument/2006/relationships" xmlns:c="http://schemas.openxmlformats.org/drawingml/2006/chart" xmlns:a="http://schemas.openxmlformats.org/drawingml/2006/main" xmlns:dgm="http://schemas.openxmlformats.org/drawingml/2006/diagram" xmlns:dsp="http://schemas.microsoft.com/office/drawing/2008/diagram" xmlns:p="http://schemas.openxmlformats.org/presentationml/2006/main">
   <p:cSld>
     <p:spTree>
       <p:nvGrpSpPr>
@@ -5782,6 +6065,9 @@
               </a:rPr>
               <a:t>.</a:t>
             </a:r>
+            <a:endParaRPr lang="en-US" altLang="ko-KR" sz="1300">
+              <a:latin typeface="맑은 고딕"/>
+            </a:endParaRPr>
           </a:p>
         </p:txBody>
       </p:sp>
@@ -5823,7 +6109,7 @@
 </file>
 
 <file path=ppt/notesSlides/notesSlide5.xml><?xml version="1.0" encoding="utf-8"?>
-<p:notes xmlns:a="http://schemas.openxmlformats.org/drawingml/2006/main" xmlns:r="http://schemas.openxmlformats.org/officeDocument/2006/relationships" xmlns:p="http://schemas.openxmlformats.org/presentationml/2006/main">
+<p:notes xmlns:r="http://schemas.openxmlformats.org/officeDocument/2006/relationships" xmlns:c="http://schemas.openxmlformats.org/drawingml/2006/chart" xmlns:a="http://schemas.openxmlformats.org/drawingml/2006/main" xmlns:dgm="http://schemas.openxmlformats.org/drawingml/2006/diagram" xmlns:dsp="http://schemas.microsoft.com/office/drawing/2008/diagram" xmlns:p="http://schemas.openxmlformats.org/presentationml/2006/main">
   <p:cSld>
     <p:spTree>
       <p:nvGrpSpPr>
@@ -5846,7 +6132,7 @@
             <a:spLocks noGrp="1" noRot="1" noChangeAspect="1" noTextEdit="1"/>
           </p:cNvSpPr>
           <p:nvPr>
-            <p:ph type="sldImg"/>
+            <p:ph type="sldImg" idx="0"/>
           </p:nvPr>
         </p:nvSpPr>
         <p:spPr/>
@@ -5881,6 +6167,9 @@
               </a:rPr>
               <a:t>.</a:t>
             </a:r>
+            <a:endParaRPr lang="en-US" altLang="ko-KR" sz="1300">
+              <a:latin typeface="맑은 고딕"/>
+            </a:endParaRPr>
           </a:p>
           <a:p>
             <a:pPr lvl="0">
@@ -5906,45 +6195,6 @@
               </a:rPr>
               <a:t>,</a:t>
             </a:r>
-          </a:p>
-          <a:p>
-            <a:pPr lvl="0">
-              <a:defRPr/>
-            </a:pPr>
-            <a:r>
-              <a:rPr lang="ko-KR" altLang="en-US" sz="1300">
-                <a:latin typeface="맑은 고딕"/>
-              </a:rPr>
-              <a:t>고객의 입장에서 추가적으로 발생 가능성이 있는 비용에 대한 생각은 고려하지 않아도 됩니다</a:t>
-            </a:r>
-            <a:r>
-              <a:rPr lang="en-US" altLang="ko-KR" sz="1300">
-                <a:latin typeface="맑은 고딕"/>
-              </a:rPr>
-              <a:t>.</a:t>
-            </a:r>
-          </a:p>
-          <a:p>
-            <a:pPr lvl="0">
-              <a:defRPr/>
-            </a:pPr>
-            <a:r>
-              <a:rPr lang="ko-KR" altLang="en-US" sz="1300">
-                <a:latin typeface="맑은 고딕"/>
-              </a:rPr>
-              <a:t>하지만 고객의 피드백을 수시로 반영하여 설계하는 것은 시간이 오래 소요된다는 단점이 있습니다</a:t>
-            </a:r>
-            <a:r>
-              <a:rPr lang="en-US" altLang="ko-KR" sz="1300">
-                <a:latin typeface="맑은 고딕"/>
-              </a:rPr>
-              <a:t>.</a:t>
-            </a:r>
-          </a:p>
-          <a:p>
-            <a:pPr lvl="0">
-              <a:defRPr/>
-            </a:pPr>
             <a:endParaRPr lang="en-US" altLang="ko-KR" sz="1300">
               <a:latin typeface="맑은 고딕"/>
             </a:endParaRPr>
@@ -5957,48 +6207,14 @@
               <a:rPr lang="ko-KR" altLang="en-US" sz="1300">
                 <a:latin typeface="맑은 고딕"/>
               </a:rPr>
-              <a:t>한편</a:t>
+              <a:t>고객의 입장에서 추가적으로 발생 가능성이 있는 비용에 대한 생각은 고려하지 않아도 됩니다</a:t>
             </a:r>
             <a:r>
               <a:rPr lang="en-US" altLang="ko-KR" sz="1300">
                 <a:latin typeface="맑은 고딕"/>
               </a:rPr>
-              <a:t>,</a:t>
-            </a:r>
-            <a:r>
-              <a:rPr lang="ko-KR" altLang="en-US" sz="1300">
-                <a:latin typeface="맑은 고딕"/>
-              </a:rPr>
-              <a:t> 시간 절약을 위해 장비의 스팩을 문서로만 확인하고 구매하게 된다면</a:t>
-            </a:r>
-            <a:r>
-              <a:rPr lang="en-US" altLang="ko-KR" sz="1300">
-                <a:latin typeface="맑은 고딕"/>
-              </a:rPr>
-              <a:t>,</a:t>
-            </a:r>
-          </a:p>
-          <a:p>
-            <a:pPr lvl="0">
-              <a:defRPr/>
-            </a:pPr>
-            <a:r>
-              <a:rPr lang="ko-KR" altLang="en-US" sz="1300">
-                <a:latin typeface="맑은 고딕"/>
-              </a:rPr>
-              <a:t>차후 예상과는 다른 스팩과 이슈로 인하여 추가 비용을 지불할 가능성이 높아질 수 있습니다</a:t>
-            </a:r>
-            <a:r>
-              <a:rPr lang="en-US" altLang="ko-KR" sz="1300">
-                <a:latin typeface="맑은 고딕"/>
-              </a:rPr>
               <a:t>.</a:t>
             </a:r>
-          </a:p>
-          <a:p>
-            <a:pPr lvl="0">
-              <a:defRPr/>
-            </a:pPr>
             <a:endParaRPr lang="en-US" altLang="ko-KR" sz="1300">
               <a:latin typeface="맑은 고딕"/>
             </a:endParaRPr>
@@ -6011,55 +6227,14 @@
               <a:rPr lang="ko-KR" altLang="en-US" sz="1300">
                 <a:latin typeface="맑은 고딕"/>
               </a:rPr>
-              <a:t>따라서</a:t>
+              <a:t>하지만 고객의 피드백을 수시로 반영하여 설계하는 것은 시간이 오래 소요된다는 단점이 있습니다</a:t>
             </a:r>
             <a:r>
               <a:rPr lang="en-US" altLang="ko-KR" sz="1300">
                 <a:latin typeface="맑은 고딕"/>
               </a:rPr>
-              <a:t>,</a:t>
-            </a:r>
-            <a:r>
-              <a:rPr lang="ko-KR" altLang="en-US" sz="1300">
-                <a:latin typeface="맑은 고딕"/>
-              </a:rPr>
-              <a:t> 고객사와 장비사 모두에게 있어 시간과 비용을 절약하고</a:t>
-            </a:r>
-            <a:r>
-              <a:rPr lang="en-US" altLang="ko-KR" sz="1300">
-                <a:latin typeface="맑은 고딕"/>
-              </a:rPr>
-              <a:t>,</a:t>
-            </a:r>
-            <a:r>
-              <a:rPr lang="ko-KR" altLang="en-US" sz="1300">
-                <a:latin typeface="맑은 고딕"/>
-              </a:rPr>
-              <a:t> 향후 발생할 수 있는 리스크를 줄이고자하여 고안한 것이</a:t>
-            </a:r>
-            <a:r>
-              <a:rPr lang="en-US" altLang="ko-KR" sz="1300">
-                <a:latin typeface="맑은 고딕"/>
-              </a:rPr>
-              <a:t> </a:t>
-            </a:r>
-            <a:r>
-              <a:rPr lang="ko-KR" altLang="en-US" sz="1300">
-                <a:latin typeface="맑은 고딕"/>
-              </a:rPr>
-              <a:t>시뮬레이터 입니다</a:t>
-            </a:r>
-            <a:r>
-              <a:rPr lang="en-US" altLang="ko-KR" sz="1300">
-                <a:latin typeface="맑은 고딕"/>
-              </a:rPr>
               <a:t>.</a:t>
             </a:r>
-          </a:p>
-          <a:p>
-            <a:pPr lvl="0">
-              <a:defRPr/>
-            </a:pPr>
             <a:endParaRPr lang="en-US" altLang="ko-KR" sz="1300">
               <a:latin typeface="맑은 고딕"/>
             </a:endParaRPr>
@@ -6068,10 +6243,142 @@
             <a:pPr lvl="0">
               <a:defRPr/>
             </a:pPr>
+            <a:endParaRPr lang="en-US" altLang="ko-KR" sz="1300">
+              <a:latin typeface="맑은 고딕"/>
+            </a:endParaRPr>
+          </a:p>
+          <a:p>
+            <a:pPr lvl="0">
+              <a:defRPr/>
+            </a:pPr>
             <a:r>
               <a:rPr lang="ko-KR" altLang="en-US" sz="1300">
                 <a:latin typeface="맑은 고딕"/>
               </a:rPr>
+              <a:t>한편</a:t>
+            </a:r>
+            <a:r>
+              <a:rPr lang="en-US" altLang="ko-KR" sz="1300">
+                <a:latin typeface="맑은 고딕"/>
+              </a:rPr>
+              <a:t>,</a:t>
+            </a:r>
+            <a:r>
+              <a:rPr lang="ko-KR" altLang="en-US" sz="1300">
+                <a:latin typeface="맑은 고딕"/>
+              </a:rPr>
+              <a:t> 시간 절약을 위해 장비의 스팩을 문서로만 확인하고 구매하게 된다면</a:t>
+            </a:r>
+            <a:r>
+              <a:rPr lang="en-US" altLang="ko-KR" sz="1300">
+                <a:latin typeface="맑은 고딕"/>
+              </a:rPr>
+              <a:t>,</a:t>
+            </a:r>
+            <a:endParaRPr lang="en-US" altLang="ko-KR" sz="1300">
+              <a:latin typeface="맑은 고딕"/>
+            </a:endParaRPr>
+          </a:p>
+          <a:p>
+            <a:pPr lvl="0">
+              <a:defRPr/>
+            </a:pPr>
+            <a:r>
+              <a:rPr lang="ko-KR" altLang="en-US" sz="1300">
+                <a:latin typeface="맑은 고딕"/>
+              </a:rPr>
+              <a:t>차후 예상과는 다른 스팩과 이슈로 인하여 추가 비용을 지불할 가능성이 높아질 수 있습니다</a:t>
+            </a:r>
+            <a:r>
+              <a:rPr lang="en-US" altLang="ko-KR" sz="1300">
+                <a:latin typeface="맑은 고딕"/>
+              </a:rPr>
+              <a:t>.</a:t>
+            </a:r>
+            <a:endParaRPr lang="en-US" altLang="ko-KR" sz="1300">
+              <a:latin typeface="맑은 고딕"/>
+            </a:endParaRPr>
+          </a:p>
+          <a:p>
+            <a:pPr lvl="0">
+              <a:defRPr/>
+            </a:pPr>
+            <a:endParaRPr lang="en-US" altLang="ko-KR" sz="1300">
+              <a:latin typeface="맑은 고딕"/>
+            </a:endParaRPr>
+          </a:p>
+          <a:p>
+            <a:pPr lvl="0">
+              <a:defRPr/>
+            </a:pPr>
+            <a:r>
+              <a:rPr lang="ko-KR" altLang="en-US" sz="1300">
+                <a:latin typeface="맑은 고딕"/>
+              </a:rPr>
+              <a:t>따라서</a:t>
+            </a:r>
+            <a:r>
+              <a:rPr lang="en-US" altLang="ko-KR" sz="1300">
+                <a:latin typeface="맑은 고딕"/>
+              </a:rPr>
+              <a:t>,</a:t>
+            </a:r>
+            <a:r>
+              <a:rPr lang="ko-KR" altLang="en-US" sz="1300">
+                <a:latin typeface="맑은 고딕"/>
+              </a:rPr>
+              <a:t> 고객사와 장비사 모두에게 있어 시간과 비용을 절약하고</a:t>
+            </a:r>
+            <a:r>
+              <a:rPr lang="en-US" altLang="ko-KR" sz="1300">
+                <a:latin typeface="맑은 고딕"/>
+              </a:rPr>
+              <a:t>,</a:t>
+            </a:r>
+            <a:r>
+              <a:rPr lang="ko-KR" altLang="en-US" sz="1300">
+                <a:latin typeface="맑은 고딕"/>
+              </a:rPr>
+              <a:t> 향후 발생할 수 있는 리스크를 줄이고자하여 고안한 것이</a:t>
+            </a:r>
+            <a:r>
+              <a:rPr lang="en-US" altLang="ko-KR" sz="1300">
+                <a:latin typeface="맑은 고딕"/>
+              </a:rPr>
+              <a:t> </a:t>
+            </a:r>
+            <a:r>
+              <a:rPr lang="ko-KR" altLang="en-US" sz="1300">
+                <a:latin typeface="맑은 고딕"/>
+              </a:rPr>
+              <a:t>시뮬레이터 입니다</a:t>
+            </a:r>
+            <a:r>
+              <a:rPr lang="en-US" altLang="ko-KR" sz="1300">
+                <a:latin typeface="맑은 고딕"/>
+              </a:rPr>
+              <a:t>.</a:t>
+            </a:r>
+            <a:endParaRPr lang="en-US" altLang="ko-KR" sz="1300">
+              <a:latin typeface="맑은 고딕"/>
+            </a:endParaRPr>
+          </a:p>
+          <a:p>
+            <a:pPr lvl="0">
+              <a:defRPr/>
+            </a:pPr>
+            <a:endParaRPr lang="en-US" altLang="ko-KR" sz="1300">
+              <a:latin typeface="맑은 고딕"/>
+            </a:endParaRPr>
+          </a:p>
+          <a:p>
+            <a:pPr lvl="0">
+              <a:defRPr/>
+            </a:pPr>
+            <a:r>
+              <a:rPr lang="ko-KR" altLang="en-US" sz="1300">
+                <a:latin typeface="맑은 고딕"/>
+              </a:rPr>
               <a:t>그리고 이를 충족하기에 적합한 시뮬레이터가 바로 저희가 설계한 </a:t>
             </a:r>
             <a:r>
@@ -6092,6 +6399,9 @@
               </a:rPr>
               <a:t>.</a:t>
             </a:r>
+            <a:endParaRPr lang="en-US" altLang="ko-KR" sz="1300">
+              <a:latin typeface="맑은 고딕"/>
+            </a:endParaRPr>
           </a:p>
         </p:txBody>
       </p:sp>
@@ -6133,7 +6443,7 @@
 </file>
 
 <file path=ppt/notesSlides/notesSlide6.xml><?xml version="1.0" encoding="utf-8"?>
-<p:notes xmlns:a="http://schemas.openxmlformats.org/drawingml/2006/main" xmlns:r="http://schemas.openxmlformats.org/officeDocument/2006/relationships" xmlns:p="http://schemas.openxmlformats.org/presentationml/2006/main">
+<p:notes xmlns:r="http://schemas.openxmlformats.org/officeDocument/2006/relationships" xmlns:c="http://schemas.openxmlformats.org/drawingml/2006/chart" xmlns:a="http://schemas.openxmlformats.org/drawingml/2006/main" xmlns:dgm="http://schemas.openxmlformats.org/drawingml/2006/diagram" xmlns:dsp="http://schemas.microsoft.com/office/drawing/2008/diagram" xmlns:p="http://schemas.openxmlformats.org/presentationml/2006/main">
   <p:cSld>
     <p:spTree>
       <p:nvGrpSpPr>
@@ -6210,6 +6520,9 @@
               </a:rPr>
               <a:t>.</a:t>
             </a:r>
+            <a:endParaRPr lang="en-US" altLang="ko-KR" sz="1300">
+              <a:latin typeface="맑은 고딕"/>
+            </a:endParaRPr>
           </a:p>
           <a:p>
             <a:pPr>
@@ -6265,6 +6578,9 @@
               </a:rPr>
               <a:t>.</a:t>
             </a:r>
+            <a:endParaRPr lang="en-US" altLang="ko-KR" sz="1300">
+              <a:latin typeface="맑은 고딕"/>
+            </a:endParaRPr>
           </a:p>
         </p:txBody>
       </p:sp>
@@ -6306,7 +6622,7 @@
 </file>
 
 <file path=ppt/notesSlides/notesSlide7.xml><?xml version="1.0" encoding="utf-8"?>
-<p:notes xmlns:a="http://schemas.openxmlformats.org/drawingml/2006/main" xmlns:r="http://schemas.openxmlformats.org/officeDocument/2006/relationships" xmlns:p="http://schemas.openxmlformats.org/presentationml/2006/main">
+<p:notes xmlns:r="http://schemas.openxmlformats.org/officeDocument/2006/relationships" xmlns:c="http://schemas.openxmlformats.org/drawingml/2006/chart" xmlns:a="http://schemas.openxmlformats.org/drawingml/2006/main" xmlns:dgm="http://schemas.openxmlformats.org/drawingml/2006/diagram" xmlns:dsp="http://schemas.microsoft.com/office/drawing/2008/diagram" xmlns:p="http://schemas.openxmlformats.org/presentationml/2006/main">
   <p:cSld>
     <p:spTree>
       <p:nvGrpSpPr>
@@ -6431,6 +6747,9 @@
               </a:rPr>
               <a:t>.</a:t>
             </a:r>
+            <a:endParaRPr lang="en-US" altLang="ko-KR" sz="1300">
+              <a:latin typeface="맑은 고딕"/>
+            </a:endParaRPr>
           </a:p>
         </p:txBody>
       </p:sp>
@@ -6472,7 +6791,7 @@
 </file>
 
 <file path=ppt/notesSlides/notesSlide8.xml><?xml version="1.0" encoding="utf-8"?>
-<p:notes xmlns:a="http://schemas.openxmlformats.org/drawingml/2006/main" xmlns:r="http://schemas.openxmlformats.org/officeDocument/2006/relationships" xmlns:p="http://schemas.openxmlformats.org/presentationml/2006/main">
+<p:notes xmlns:r="http://schemas.openxmlformats.org/officeDocument/2006/relationships" xmlns:c="http://schemas.openxmlformats.org/drawingml/2006/chart" xmlns:a="http://schemas.openxmlformats.org/drawingml/2006/main" xmlns:dgm="http://schemas.openxmlformats.org/drawingml/2006/diagram" xmlns:dsp="http://schemas.microsoft.com/office/drawing/2008/diagram" xmlns:p="http://schemas.openxmlformats.org/presentationml/2006/main">
   <p:cSld>
     <p:spTree>
       <p:nvGrpSpPr>
@@ -6543,6 +6862,9 @@
               </a:rPr>
               <a:t>‘Time 쓰레드’는 FAB SOLO가 작동한 총 시간과 Clean 공정을 진행한 시간을 측정하여 최종 Throughput을 연산합니다.</a:t>
             </a:r>
+            <a:endParaRPr lang="ko-KR" altLang="en-US" sz="1300">
+              <a:latin typeface="맑은 고딕"/>
+            </a:endParaRPr>
           </a:p>
         </p:txBody>
       </p:sp>
@@ -6584,7 +6906,7 @@
 </file>
 
 <file path=ppt/notesSlides/notesSlide9.xml><?xml version="1.0" encoding="utf-8"?>
-<p:notes xmlns:a="http://schemas.openxmlformats.org/drawingml/2006/main" xmlns:r="http://schemas.openxmlformats.org/officeDocument/2006/relationships" xmlns:p="http://schemas.openxmlformats.org/presentationml/2006/main">
+<p:notes xmlns:r="http://schemas.openxmlformats.org/officeDocument/2006/relationships" xmlns:c="http://schemas.openxmlformats.org/drawingml/2006/chart" xmlns:a="http://schemas.openxmlformats.org/drawingml/2006/main" xmlns:dgm="http://schemas.openxmlformats.org/drawingml/2006/diagram" xmlns:dsp="http://schemas.microsoft.com/office/drawing/2008/diagram" xmlns:p="http://schemas.openxmlformats.org/presentationml/2006/main">
   <p:cSld>
     <p:spTree>
       <p:nvGrpSpPr>
@@ -6649,6 +6971,12 @@
               </a:spcAft>
               <a:defRPr/>
             </a:pPr>
+            <a:r>
+              <a:rPr lang="ko-KR" altLang="en-US" sz="1300">
+                <a:latin typeface="맑은 고딕"/>
+              </a:rPr>
+              <a:t/>
+            </a:r>
             <a:endParaRPr lang="ko-KR" altLang="en-US" sz="1300">
               <a:latin typeface="맑은 고딕"/>
             </a:endParaRPr>
@@ -22559,7 +22887,7 @@
 </file>
 
 <file path=ppt/slides/slide22.xml><?xml version="1.0" encoding="utf-8"?>
-<p:sld xmlns:a="http://schemas.openxmlformats.org/drawingml/2006/main" xmlns:r="http://schemas.openxmlformats.org/officeDocument/2006/relationships" xmlns:p="http://schemas.openxmlformats.org/presentationml/2006/main">
+<p:sld xmlns:r="http://schemas.openxmlformats.org/officeDocument/2006/relationships" xmlns:c="http://schemas.openxmlformats.org/drawingml/2006/chart" xmlns:a="http://schemas.openxmlformats.org/drawingml/2006/main" xmlns:dgm="http://schemas.openxmlformats.org/drawingml/2006/diagram" xmlns:dsp="http://schemas.microsoft.com/office/drawing/2008/diagram" xmlns:p="http://schemas.openxmlformats.org/presentationml/2006/main">
   <p:cSld>
     <p:spTree>
       <p:nvGrpSpPr>
@@ -22597,434 +22925,10 @@
               <a:rPr lang="en-US" altLang="ko-KR"/>
               <a:t>15</a:t>
             </a:r>
-          </a:p>
-        </p:txBody>
-      </p:sp>
-      <p:sp>
-        <p:nvSpPr>
-          <p:cNvPr id="11" name="사각형: 둥근 모서리 10"/>
-          <p:cNvSpPr/>
-          <p:nvPr/>
-        </p:nvSpPr>
-        <p:spPr>
-          <a:xfrm>
-            <a:off x="345786" y="1181678"/>
-            <a:ext cx="2698750" cy="1371023"/>
-          </a:xfrm>
-          <a:prstGeom prst="roundRect">
-            <a:avLst>
-              <a:gd name="adj" fmla="val 16667"/>
-            </a:avLst>
-          </a:prstGeom>
-          <a:noFill/>
-          <a:ln w="38100">
-            <a:solidFill>
-              <a:schemeClr val="lt1">
-                <a:alpha val="100000"/>
-              </a:schemeClr>
-            </a:solidFill>
-            <a:miter/>
-          </a:ln>
-        </p:spPr>
-        <p:txBody>
-          <a:bodyPr anchor="ctr"/>
-          <a:lstStyle/>
-          <a:p>
-            <a:pPr marL="0" indent="0" algn="ctr" defTabSz="914400" rtl="0" eaLnBrk="1" latinLnBrk="1" hangingPunct="1">
-              <a:lnSpc>
-                <a:spcPct val="150000"/>
-              </a:lnSpc>
-              <a:spcBef>
-                <a:spcPct val="0"/>
-              </a:spcBef>
-              <a:spcAft>
-                <a:spcPts val="0"/>
-              </a:spcAft>
-              <a:buFontTx/>
-              <a:buNone/>
-              <a:defRPr/>
-            </a:pPr>
-            <a:r>
-              <a:rPr kumimoji="0" lang="ko-KR" altLang="en-US" sz="3200" b="1" i="0" u="none" strike="noStrike" kern="1200" cap="none" spc="0" normalizeH="0" baseline="0">
-                <a:solidFill>
-                  <a:srgbClr val="000000"/>
-                </a:solidFill>
-                <a:latin typeface="맑은 고딕"/>
-                <a:ea typeface="맑은 고딕"/>
-                <a:cs typeface="Arial Unicode MS"/>
-              </a:rPr>
-              <a:t>보완점</a:t>
-            </a:r>
-          </a:p>
-        </p:txBody>
-      </p:sp>
-      <p:sp>
-        <p:nvSpPr>
-          <p:cNvPr id="12" name="사각형: 둥근 모서리 11"/>
-          <p:cNvSpPr/>
-          <p:nvPr/>
-        </p:nvSpPr>
-        <p:spPr>
-          <a:xfrm>
-            <a:off x="345786" y="4476172"/>
-            <a:ext cx="2698750" cy="1371023"/>
-          </a:xfrm>
-          <a:prstGeom prst="roundRect">
-            <a:avLst>
-              <a:gd name="adj" fmla="val 16667"/>
-            </a:avLst>
-          </a:prstGeom>
-          <a:noFill/>
-          <a:ln w="38100">
-            <a:solidFill>
-              <a:schemeClr val="lt1">
-                <a:alpha val="100000"/>
-              </a:schemeClr>
-            </a:solidFill>
-            <a:miter/>
-          </a:ln>
-        </p:spPr>
-        <p:txBody>
-          <a:bodyPr anchor="ctr"/>
-          <a:lstStyle/>
-          <a:p>
-            <a:pPr marL="0" indent="0" algn="ctr" defTabSz="914400" rtl="0" eaLnBrk="1" latinLnBrk="1" hangingPunct="1">
-              <a:lnSpc>
-                <a:spcPct val="150000"/>
-              </a:lnSpc>
-              <a:spcBef>
-                <a:spcPct val="0"/>
-              </a:spcBef>
-              <a:spcAft>
-                <a:spcPts val="0"/>
-              </a:spcAft>
-              <a:buFontTx/>
-              <a:buNone/>
-              <a:defRPr/>
-            </a:pPr>
-            <a:r>
-              <a:rPr kumimoji="0" lang="ko-KR" altLang="en-US" sz="3200" b="1" i="0" u="none" strike="noStrike" kern="1200" cap="none" spc="0" normalizeH="0" baseline="0">
-                <a:solidFill>
-                  <a:srgbClr val="000000"/>
-                </a:solidFill>
-                <a:latin typeface="맑은 고딕"/>
-                <a:ea typeface="맑은 고딕"/>
-                <a:cs typeface="Arial Unicode MS"/>
-              </a:rPr>
-              <a:t>기대효과</a:t>
-            </a:r>
-          </a:p>
-        </p:txBody>
-      </p:sp>
-      <p:cxnSp>
-        <p:nvCxnSpPr>
-          <p:cNvPr id="13" name="직선 연결선 12"/>
-          <p:cNvCxnSpPr/>
-          <p:nvPr/>
-        </p:nvCxnSpPr>
-        <p:spPr>
-          <a:xfrm>
-            <a:off x="0" y="3514436"/>
-            <a:ext cx="12192000" cy="0"/>
-          </a:xfrm>
-          <a:prstGeom prst="line">
-            <a:avLst/>
-          </a:prstGeom>
-          <a:ln w="38100">
-            <a:solidFill>
-              <a:srgbClr val="933000"/>
-            </a:solidFill>
-            <a:headEnd w="med" len="med"/>
-            <a:tailEnd w="med" len="med"/>
-          </a:ln>
-        </p:spPr>
-        <p:style>
-          <a:lnRef idx="1">
-            <a:schemeClr val="accent1"/>
-          </a:lnRef>
-          <a:fillRef idx="0">
-            <a:schemeClr val="accent1"/>
-          </a:fillRef>
-          <a:effectRef idx="0">
-            <a:schemeClr val="accent1"/>
-          </a:effectRef>
-          <a:fontRef idx="minor">
-            <a:schemeClr val="tx1"/>
-          </a:fontRef>
-        </p:style>
-      </p:cxnSp>
-      <p:cxnSp>
-        <p:nvCxnSpPr>
-          <p:cNvPr id="14" name="직선 연결선 13"/>
-          <p:cNvCxnSpPr/>
-          <p:nvPr/>
-        </p:nvCxnSpPr>
-        <p:spPr>
-          <a:xfrm rot="16200000" flipH="1">
-            <a:off x="307895" y="3637597"/>
-            <a:ext cx="6193155" cy="0"/>
-          </a:xfrm>
-          <a:prstGeom prst="line">
-            <a:avLst/>
-          </a:prstGeom>
-          <a:ln w="38100">
-            <a:solidFill>
-              <a:srgbClr val="933000"/>
-            </a:solidFill>
-            <a:headEnd w="med" len="med"/>
-            <a:tailEnd w="med" len="med"/>
-          </a:ln>
-        </p:spPr>
-        <p:style>
-          <a:lnRef idx="1">
-            <a:schemeClr val="accent1"/>
-          </a:lnRef>
-          <a:fillRef idx="0">
-            <a:schemeClr val="accent1"/>
-          </a:fillRef>
-          <a:effectRef idx="0">
-            <a:schemeClr val="accent1"/>
-          </a:effectRef>
-          <a:fontRef idx="minor">
-            <a:schemeClr val="tx1"/>
-          </a:fontRef>
-        </p:style>
-      </p:cxnSp>
-      <p:grpSp>
-        <p:nvGrpSpPr>
-          <p:cNvPr id="32" name="그룹 31"/>
-          <p:cNvGrpSpPr/>
-          <p:nvPr/>
-        </p:nvGrpSpPr>
-        <p:grpSpPr>
-          <a:xfrm>
-            <a:off x="7601070" y="4091846"/>
-            <a:ext cx="4368679" cy="2201480"/>
-            <a:chOff x="6821890" y="3808619"/>
-            <a:chExt cx="5007199" cy="2622826"/>
-          </a:xfrm>
-        </p:grpSpPr>
-        <p:pic>
-          <p:nvPicPr>
-            <p:cNvPr id="23" name="그림 2"/>
-            <p:cNvPicPr>
-              <a:picLocks noChangeAspect="1"/>
-            </p:cNvPicPr>
-            <p:nvPr/>
-          </p:nvPicPr>
-          <p:blipFill rotWithShape="1">
-            <a:blip r:embed="rId3"/>
-            <a:stretch>
-              <a:fillRect/>
-            </a:stretch>
-          </p:blipFill>
-          <p:spPr>
-            <a:xfrm>
-              <a:off x="7119898" y="4144648"/>
-              <a:ext cx="2421009" cy="2089490"/>
-            </a:xfrm>
-            <a:prstGeom prst="rect">
-              <a:avLst/>
-            </a:prstGeom>
-          </p:spPr>
-        </p:pic>
-        <p:pic>
-          <p:nvPicPr>
-            <p:cNvPr id="30" name="그림 29"/>
-            <p:cNvPicPr>
-              <a:picLocks noChangeAspect="1"/>
-            </p:cNvPicPr>
-            <p:nvPr/>
-          </p:nvPicPr>
-          <p:blipFill rotWithShape="1">
-            <a:blip r:embed="rId4"/>
-            <a:stretch>
-              <a:fillRect/>
-            </a:stretch>
-          </p:blipFill>
-          <p:spPr>
-            <a:xfrm>
-              <a:off x="9696350" y="4066263"/>
-              <a:ext cx="2107537" cy="2107537"/>
-            </a:xfrm>
-            <a:prstGeom prst="rect">
-              <a:avLst/>
-            </a:prstGeom>
-          </p:spPr>
-        </p:pic>
-        <p:sp>
-          <p:nvSpPr>
-            <p:cNvPr id="31" name="사각형: 둥근 모서리 30"/>
-            <p:cNvSpPr/>
-            <p:nvPr/>
-          </p:nvSpPr>
-          <p:spPr>
-            <a:xfrm>
-              <a:off x="6821890" y="3808619"/>
-              <a:ext cx="5007199" cy="2622826"/>
-            </a:xfrm>
-            <a:prstGeom prst="roundRect">
-              <a:avLst>
-                <a:gd name="adj" fmla="val 16667"/>
-              </a:avLst>
-            </a:prstGeom>
-            <a:noFill/>
-            <a:ln w="38100">
-              <a:solidFill>
-                <a:schemeClr val="tx1"/>
-              </a:solidFill>
-              <a:miter/>
-            </a:ln>
-          </p:spPr>
-          <p:txBody>
-            <a:bodyPr anchor="ctr"/>
-            <a:lstStyle/>
-            <a:p>
-              <a:pPr algn="l">
-                <a:lnSpc>
-                  <a:spcPct val="150000"/>
-                </a:lnSpc>
-                <a:buFontTx/>
-                <a:buNone/>
-                <a:defRPr/>
-              </a:pPr>
-              <a:endParaRPr>
-                <a:solidFill>
-                  <a:srgbClr val="000099"/>
-                </a:solidFill>
-                <a:latin typeface="+mn-ea"/>
-                <a:ea typeface="+mn-ea"/>
-                <a:cs typeface="Arial Unicode MS"/>
-              </a:endParaRPr>
-            </a:p>
-          </p:txBody>
-        </p:sp>
-      </p:grpSp>
-      <p:grpSp>
-        <p:nvGrpSpPr>
-          <p:cNvPr id="34" name="그룹 33"/>
-          <p:cNvGrpSpPr/>
-          <p:nvPr/>
-        </p:nvGrpSpPr>
-        <p:grpSpPr>
-          <a:xfrm>
-            <a:off x="3755473" y="4091846"/>
-            <a:ext cx="3676426" cy="2201480"/>
-            <a:chOff x="3755473" y="4091846"/>
-            <a:chExt cx="3676426" cy="2201480"/>
-          </a:xfrm>
-        </p:grpSpPr>
-        <p:grpSp>
-          <p:nvGrpSpPr>
-            <p:cNvPr id="21" name="그룹 20"/>
-            <p:cNvGrpSpPr/>
-            <p:nvPr/>
-          </p:nvGrpSpPr>
-          <p:grpSpPr>
-            <a:xfrm>
-              <a:off x="3755473" y="4091846"/>
-              <a:ext cx="3676426" cy="2201480"/>
-              <a:chOff x="3960532" y="3991433"/>
-              <a:chExt cx="2917186" cy="2201480"/>
-            </a:xfrm>
-          </p:grpSpPr>
-          <p:pic>
-            <p:nvPicPr>
-              <p:cNvPr id="19" name="그림 18"/>
-              <p:cNvPicPr>
-                <a:picLocks noChangeAspect="1"/>
-              </p:cNvPicPr>
-              <p:nvPr/>
-            </p:nvPicPr>
-            <p:blipFill rotWithShape="1">
-              <a:blip r:embed="rId5"/>
-              <a:stretch>
-                <a:fillRect/>
-              </a:stretch>
-            </p:blipFill>
-            <p:spPr>
-              <a:xfrm>
-                <a:off x="5679347" y="4428421"/>
-                <a:ext cx="1046894" cy="1265698"/>
-              </a:xfrm>
-              <a:prstGeom prst="rect">
-                <a:avLst/>
-              </a:prstGeom>
-            </p:spPr>
-          </p:pic>
-          <p:sp>
-            <p:nvSpPr>
-              <p:cNvPr id="20" name="사각형: 둥근 모서리 19"/>
-              <p:cNvSpPr/>
-              <p:nvPr/>
-            </p:nvSpPr>
-            <p:spPr>
-              <a:xfrm>
-                <a:off x="3960532" y="3991433"/>
-                <a:ext cx="2917186" cy="2201480"/>
-              </a:xfrm>
-              <a:prstGeom prst="roundRect">
-                <a:avLst>
-                  <a:gd name="adj" fmla="val 16667"/>
-                </a:avLst>
-              </a:prstGeom>
-              <a:noFill/>
-              <a:ln w="38100">
-                <a:solidFill>
-                  <a:schemeClr val="tx1"/>
-                </a:solidFill>
-                <a:miter/>
-              </a:ln>
-            </p:spPr>
-            <p:txBody>
-              <a:bodyPr anchor="ctr"/>
-              <a:lstStyle/>
-              <a:p>
-                <a:pPr algn="l">
-                  <a:lnSpc>
-                    <a:spcPct val="150000"/>
-                  </a:lnSpc>
-                  <a:buFontTx/>
-                  <a:buNone/>
-                  <a:defRPr/>
-                </a:pPr>
-                <a:endParaRPr>
-                  <a:solidFill>
-                    <a:srgbClr val="000099"/>
-                  </a:solidFill>
-                  <a:latin typeface="+mn-ea"/>
-                  <a:ea typeface="+mn-ea"/>
-                  <a:cs typeface="Arial Unicode MS"/>
-                </a:endParaRPr>
-              </a:p>
-            </p:txBody>
-          </p:sp>
-        </p:grpSp>
-        <p:pic>
-          <p:nvPicPr>
-            <p:cNvPr id="33" name="그림 32"/>
-            <p:cNvPicPr>
-              <a:picLocks noChangeAspect="1"/>
-            </p:cNvPicPr>
-            <p:nvPr/>
-          </p:nvPicPr>
-          <p:blipFill rotWithShape="1">
-            <a:blip r:embed="rId6"/>
-            <a:stretch>
-              <a:fillRect/>
-            </a:stretch>
-          </p:blipFill>
-          <p:spPr>
-            <a:xfrm>
-              <a:off x="3960532" y="4373894"/>
-              <a:ext cx="1953952" cy="1575577"/>
-            </a:xfrm>
-            <a:prstGeom prst="rect">
-              <a:avLst/>
-            </a:prstGeom>
-          </p:spPr>
-        </p:pic>
-      </p:grpSp>
+            <a:endParaRPr lang="en-US" altLang="ko-KR"/>
+          </a:p>
+        </p:txBody>
+      </p:sp>
       <p:sp>
         <p:nvSpPr>
           <p:cNvPr id="35" name="TextBox 8"/>
@@ -23034,7 +22938,7 @@
         <p:spPr>
           <a:xfrm>
             <a:off x="190500" y="28575"/>
-            <a:ext cx="3792843" cy="512445"/>
+            <a:ext cx="2385430" cy="523220"/>
           </a:xfrm>
           <a:prstGeom prst="rect">
             <a:avLst/>
@@ -23067,7 +22971,7 @@
                 <a:latin typeface="맑은 고딕"/>
                 <a:cs typeface="맑은 고딕"/>
               </a:rPr>
-              <a:t>5.</a:t>
+              <a:t>5. </a:t>
             </a:r>
             <a:r>
               <a:rPr kumimoji="0" lang="ko-KR" altLang="en-US" sz="2800" b="1" i="0" u="none" strike="noStrike" kern="1200" cap="none" spc="0" normalizeH="0" baseline="0">
@@ -23077,8 +22981,402 @@
                 <a:latin typeface="맑은 고딕"/>
                 <a:cs typeface="맑은 고딕"/>
               </a:rPr>
-              <a:t> 보완점 및 기대효과</a:t>
-            </a:r>
+              <a:t>기대효과</a:t>
+            </a:r>
+            <a:endParaRPr kumimoji="0" lang="ko-KR" altLang="en-US" sz="2800" b="1" i="0" u="none" strike="noStrike" kern="1200" cap="none" spc="0" normalizeH="0" baseline="0">
+              <a:solidFill>
+                <a:srgbClr val="000000"/>
+              </a:solidFill>
+              <a:latin typeface="맑은 고딕"/>
+              <a:cs typeface="맑은 고딕"/>
+            </a:endParaRPr>
+          </a:p>
+        </p:txBody>
+      </p:sp>
+      <p:sp>
+        <p:nvSpPr>
+          <p:cNvPr id="25" name="직사각형 24"/>
+          <p:cNvSpPr/>
+          <p:nvPr/>
+        </p:nvSpPr>
+        <p:spPr>
+          <a:xfrm>
+            <a:off x="1877848" y="1169699"/>
+            <a:ext cx="1041092" cy="810840"/>
+          </a:xfrm>
+          <a:prstGeom prst="rect">
+            <a:avLst/>
+          </a:prstGeom>
+          <a:solidFill>
+            <a:schemeClr val="accent2">
+              <a:lumMod val="20000"/>
+              <a:lumOff val="80000"/>
+            </a:schemeClr>
+          </a:solidFill>
+          <a:ln w="9525">
+            <a:noFill/>
+            <a:miter/>
+          </a:ln>
+        </p:spPr>
+        <p:txBody>
+          <a:bodyPr anchor="ctr"/>
+          <a:lstStyle/>
+          <a:p>
+            <a:pPr algn="ctr">
+              <a:buFontTx/>
+              <a:buNone/>
+              <a:defRPr/>
+            </a:pPr>
+            <a:r>
+              <a:rPr lang="en-US" altLang="ko-KR" sz="2400" b="1">
+                <a:latin typeface="+mn-ea"/>
+                <a:ea typeface="+mn-ea"/>
+                <a:cs typeface="Arial Unicode MS"/>
+              </a:rPr>
+              <a:t>1</a:t>
+            </a:r>
+            <a:endParaRPr lang="ko-KR" altLang="en-US" sz="2400" b="1">
+              <a:latin typeface="+mn-ea"/>
+              <a:ea typeface="+mn-ea"/>
+              <a:cs typeface="Arial Unicode MS"/>
+            </a:endParaRPr>
+          </a:p>
+        </p:txBody>
+      </p:sp>
+      <p:sp>
+        <p:nvSpPr>
+          <p:cNvPr id="26" name="직사각형 25"/>
+          <p:cNvSpPr/>
+          <p:nvPr/>
+        </p:nvSpPr>
+        <p:spPr>
+          <a:xfrm>
+            <a:off x="1877848" y="2363371"/>
+            <a:ext cx="1041092" cy="810840"/>
+          </a:xfrm>
+          <a:prstGeom prst="rect">
+            <a:avLst/>
+          </a:prstGeom>
+          <a:solidFill>
+            <a:srgbClr val="ffceb0"/>
+          </a:solidFill>
+          <a:ln w="9525">
+            <a:noFill/>
+            <a:miter/>
+          </a:ln>
+        </p:spPr>
+        <p:txBody>
+          <a:bodyPr anchor="ctr"/>
+          <a:lstStyle/>
+          <a:p>
+            <a:pPr algn="ctr">
+              <a:buFontTx/>
+              <a:buNone/>
+              <a:defRPr/>
+            </a:pPr>
+            <a:r>
+              <a:rPr lang="en-US" altLang="ko-KR" sz="2400" b="1">
+                <a:latin typeface="+mn-ea"/>
+                <a:ea typeface="+mn-ea"/>
+                <a:cs typeface="Arial Unicode MS"/>
+              </a:rPr>
+              <a:t>2</a:t>
+            </a:r>
+            <a:endParaRPr lang="ko-KR" altLang="en-US" sz="2400" b="1">
+              <a:latin typeface="+mn-ea"/>
+              <a:ea typeface="+mn-ea"/>
+              <a:cs typeface="Arial Unicode MS"/>
+            </a:endParaRPr>
+          </a:p>
+        </p:txBody>
+      </p:sp>
+      <p:sp>
+        <p:nvSpPr>
+          <p:cNvPr id="27" name="직사각형 26"/>
+          <p:cNvSpPr/>
+          <p:nvPr/>
+        </p:nvSpPr>
+        <p:spPr>
+          <a:xfrm>
+            <a:off x="1882564" y="3557043"/>
+            <a:ext cx="1041092" cy="810840"/>
+          </a:xfrm>
+          <a:prstGeom prst="rect">
+            <a:avLst/>
+          </a:prstGeom>
+          <a:solidFill>
+            <a:srgbClr val="ffb589"/>
+          </a:solidFill>
+          <a:ln w="9525">
+            <a:noFill/>
+            <a:miter/>
+          </a:ln>
+        </p:spPr>
+        <p:txBody>
+          <a:bodyPr anchor="ctr"/>
+          <a:lstStyle/>
+          <a:p>
+            <a:pPr algn="ctr">
+              <a:buFontTx/>
+              <a:buNone/>
+              <a:defRPr/>
+            </a:pPr>
+            <a:r>
+              <a:rPr lang="en-US" altLang="ko-KR" sz="2400" b="1">
+                <a:latin typeface="+mn-ea"/>
+                <a:ea typeface="+mn-ea"/>
+                <a:cs typeface="Arial Unicode MS"/>
+              </a:rPr>
+              <a:t>3</a:t>
+            </a:r>
+            <a:endParaRPr lang="ko-KR" altLang="en-US" sz="2400" b="1">
+              <a:latin typeface="+mn-ea"/>
+              <a:ea typeface="+mn-ea"/>
+              <a:cs typeface="Arial Unicode MS"/>
+            </a:endParaRPr>
+          </a:p>
+        </p:txBody>
+      </p:sp>
+      <p:sp>
+        <p:nvSpPr>
+          <p:cNvPr id="28" name="직사각형 27"/>
+          <p:cNvSpPr/>
+          <p:nvPr/>
+        </p:nvSpPr>
+        <p:spPr>
+          <a:xfrm>
+            <a:off x="3170700" y="1169699"/>
+            <a:ext cx="7779796" cy="810840"/>
+          </a:xfrm>
+          <a:prstGeom prst="rect">
+            <a:avLst/>
+          </a:prstGeom>
+          <a:solidFill>
+            <a:schemeClr val="accent2">
+              <a:lumMod val="20000"/>
+              <a:lumOff val="80000"/>
+            </a:schemeClr>
+          </a:solidFill>
+          <a:ln w="9525">
+            <a:noFill/>
+            <a:miter/>
+          </a:ln>
+        </p:spPr>
+        <p:txBody>
+          <a:bodyPr anchor="ctr"/>
+          <a:lstStyle/>
+          <a:p>
+            <a:pPr>
+              <a:buFontTx/>
+              <a:buNone/>
+              <a:defRPr/>
+            </a:pPr>
+            <a:r>
+              <a:rPr lang="ko-KR" altLang="en-US" sz="2400" b="1">
+                <a:latin typeface="+mn-ea"/>
+                <a:ea typeface="+mn-ea"/>
+                <a:cs typeface="Arial Unicode MS"/>
+              </a:rPr>
+              <a:t>사용자가 장비의 흐름을 한눈에 파악 가능</a:t>
+            </a:r>
+            <a:endParaRPr lang="ko-KR" altLang="en-US" sz="2400" b="1">
+              <a:latin typeface="+mn-ea"/>
+              <a:ea typeface="+mn-ea"/>
+              <a:cs typeface="Arial Unicode MS"/>
+            </a:endParaRPr>
+          </a:p>
+        </p:txBody>
+      </p:sp>
+      <p:sp>
+        <p:nvSpPr>
+          <p:cNvPr id="29" name="직사각형 28"/>
+          <p:cNvSpPr/>
+          <p:nvPr/>
+        </p:nvSpPr>
+        <p:spPr>
+          <a:xfrm>
+            <a:off x="3170700" y="2363371"/>
+            <a:ext cx="7779796" cy="810840"/>
+          </a:xfrm>
+          <a:prstGeom prst="rect">
+            <a:avLst/>
+          </a:prstGeom>
+          <a:solidFill>
+            <a:schemeClr val="accent2">
+              <a:lumMod val="40000"/>
+              <a:lumOff val="60000"/>
+            </a:schemeClr>
+          </a:solidFill>
+          <a:ln w="9525">
+            <a:noFill/>
+            <a:miter/>
+          </a:ln>
+        </p:spPr>
+        <p:txBody>
+          <a:bodyPr anchor="ctr"/>
+          <a:lstStyle/>
+          <a:p>
+            <a:pPr>
+              <a:buFontTx/>
+              <a:buNone/>
+              <a:defRPr/>
+            </a:pPr>
+            <a:r>
+              <a:rPr lang="ko-KR" altLang="en-US" sz="2400" b="1">
+                <a:latin typeface="+mn-ea"/>
+                <a:ea typeface="+mn-ea"/>
+                <a:cs typeface="Arial Unicode MS"/>
+              </a:rPr>
+              <a:t>발생 가능성이 있는 문제에 대한 대응을 미리 파악 가능</a:t>
+            </a:r>
+            <a:endParaRPr lang="ko-KR" altLang="en-US" sz="2400" b="1">
+              <a:latin typeface="+mn-ea"/>
+              <a:ea typeface="+mn-ea"/>
+              <a:cs typeface="Arial Unicode MS"/>
+            </a:endParaRPr>
+          </a:p>
+        </p:txBody>
+      </p:sp>
+      <p:sp>
+        <p:nvSpPr>
+          <p:cNvPr id="36" name="직사각형 35"/>
+          <p:cNvSpPr/>
+          <p:nvPr/>
+        </p:nvSpPr>
+        <p:spPr>
+          <a:xfrm>
+            <a:off x="3148398" y="3557043"/>
+            <a:ext cx="7779796" cy="810840"/>
+          </a:xfrm>
+          <a:prstGeom prst="rect">
+            <a:avLst/>
+          </a:prstGeom>
+          <a:solidFill>
+            <a:schemeClr val="accent2">
+              <a:lumMod val="60000"/>
+              <a:lumOff val="40000"/>
+            </a:schemeClr>
+          </a:solidFill>
+          <a:ln w="9525">
+            <a:noFill/>
+            <a:miter/>
+          </a:ln>
+        </p:spPr>
+        <p:txBody>
+          <a:bodyPr anchor="ctr"/>
+          <a:lstStyle/>
+          <a:p>
+            <a:pPr>
+              <a:buFontTx/>
+              <a:buNone/>
+              <a:defRPr/>
+            </a:pPr>
+            <a:r>
+              <a:rPr lang="ko-KR" altLang="en-US" sz="2400" b="1">
+                <a:latin typeface="+mn-ea"/>
+                <a:ea typeface="+mn-ea"/>
+                <a:cs typeface="Arial Unicode MS"/>
+              </a:rPr>
+              <a:t>최적의 모듈 설정을 통한 효율 좋은 장비 제작</a:t>
+            </a:r>
+            <a:endParaRPr lang="ko-KR" altLang="en-US" sz="2400" b="1">
+              <a:latin typeface="+mn-ea"/>
+              <a:ea typeface="+mn-ea"/>
+              <a:cs typeface="Arial Unicode MS"/>
+            </a:endParaRPr>
+          </a:p>
+        </p:txBody>
+      </p:sp>
+      <p:sp>
+        <p:nvSpPr>
+          <p:cNvPr id="37" name="직사각형 36"/>
+          <p:cNvSpPr/>
+          <p:nvPr/>
+        </p:nvSpPr>
+        <p:spPr>
+          <a:xfrm>
+            <a:off x="1882564" y="4750716"/>
+            <a:ext cx="1041092" cy="810840"/>
+          </a:xfrm>
+          <a:prstGeom prst="rect">
+            <a:avLst/>
+          </a:prstGeom>
+          <a:solidFill>
+            <a:srgbClr val="ff9553"/>
+          </a:solidFill>
+          <a:ln w="9525">
+            <a:noFill/>
+            <a:miter/>
+          </a:ln>
+        </p:spPr>
+        <p:txBody>
+          <a:bodyPr anchor="ctr"/>
+          <a:lstStyle/>
+          <a:p>
+            <a:pPr algn="ctr">
+              <a:buFontTx/>
+              <a:buNone/>
+              <a:defRPr/>
+            </a:pPr>
+            <a:r>
+              <a:rPr lang="en-US" altLang="ko-KR" sz="2400" b="1">
+                <a:latin typeface="+mn-ea"/>
+                <a:cs typeface="Arial Unicode MS"/>
+              </a:rPr>
+              <a:t>4</a:t>
+            </a:r>
+            <a:endParaRPr lang="ko-KR" altLang="en-US" sz="2400" b="1">
+              <a:latin typeface="+mn-ea"/>
+              <a:ea typeface="+mn-ea"/>
+              <a:cs typeface="Arial Unicode MS"/>
+            </a:endParaRPr>
+          </a:p>
+        </p:txBody>
+      </p:sp>
+      <p:sp>
+        <p:nvSpPr>
+          <p:cNvPr id="38" name="직사각형 37"/>
+          <p:cNvSpPr/>
+          <p:nvPr/>
+        </p:nvSpPr>
+        <p:spPr>
+          <a:xfrm>
+            <a:off x="3148398" y="4750716"/>
+            <a:ext cx="7779796" cy="810840"/>
+          </a:xfrm>
+          <a:prstGeom prst="rect">
+            <a:avLst/>
+          </a:prstGeom>
+          <a:solidFill>
+            <a:srgbClr val="ff9553"/>
+          </a:solidFill>
+          <a:ln w="9525">
+            <a:noFill/>
+            <a:miter/>
+          </a:ln>
+        </p:spPr>
+        <p:txBody>
+          <a:bodyPr anchor="ctr"/>
+          <a:lstStyle/>
+          <a:p>
+            <a:pPr>
+              <a:buFontTx/>
+              <a:buNone/>
+              <a:defRPr/>
+            </a:pPr>
+            <a:r>
+              <a:rPr lang="ko-KR" altLang="en-US" sz="2400" b="1">
+                <a:latin typeface="+mn-ea"/>
+                <a:ea typeface="+mn-ea"/>
+                <a:cs typeface="Arial Unicode MS"/>
+              </a:rPr>
+              <a:t>실제 문제를 안전하고 효율적으로 해결가능</a:t>
+            </a:r>
+            <a:endParaRPr lang="ko-KR" altLang="en-US" sz="2400" b="1">
+              <a:latin typeface="+mn-ea"/>
+              <a:ea typeface="+mn-ea"/>
+              <a:cs typeface="Arial Unicode MS"/>
+            </a:endParaRPr>
           </a:p>
         </p:txBody>
       </p:sp>
@@ -23087,138 +23385,14 @@
   <p:clrMapOvr>
     <a:masterClrMapping/>
   </p:clrMapOvr>
-  <mc:AlternateContent xmlns:mc="http://schemas.openxmlformats.org/markup-compatibility/2006" xmlns:p14="http://schemas.microsoft.com/office/powerpoint/2010/main">
-    <mc:Choice Requires="p14">
-      <p:transition/>
+  <mc:AlternateContent xmlns:mc="http://schemas.openxmlformats.org/markup-compatibility/2006">
+    <mc:Choice xmlns:p14="http://schemas.microsoft.com/office/powerpoint/2010/main" Requires="p14">
+      <p:transition xmlns:mc="http://schemas.openxmlformats.org/markup-compatibility/2006" xmlns:p14="http://schemas.microsoft.com/office/powerpoint/2010/main" mc:Ignorable="p14" p14:dur="500"/>
     </mc:Choice>
-    <mc:Fallback xmlns:dsp="http://schemas.microsoft.com/office/drawing/2008/diagram" xmlns:dgm="http://schemas.openxmlformats.org/drawingml/2006/diagram" xmlns:c="http://schemas.openxmlformats.org/drawingml/2006/chart" xmlns="">
+    <mc:Fallback>
       <p:transition/>
     </mc:Fallback>
   </mc:AlternateContent>
-  <p:timing>
-    <p:tnLst>
-      <p:par>
-        <p:cTn id="1" dur="indefinite" restart="never" nodeType="tmRoot">
-          <p:childTnLst>
-            <p:seq concurrent="1" nextAc="seek">
-              <p:cTn id="2" dur="indefinite" nodeType="mainSeq">
-                <p:childTnLst>
-                  <p:par>
-                    <p:cTn id="3" fill="hold">
-                      <p:stCondLst>
-                        <p:cond delay="indefinite"/>
-                      </p:stCondLst>
-                      <p:childTnLst>
-                        <p:par>
-                          <p:cTn id="4" fill="hold">
-                            <p:stCondLst>
-                              <p:cond delay="0"/>
-                            </p:stCondLst>
-                            <p:childTnLst>
-                              <p:par>
-                                <p:cTn id="5" presetID="1" presetClass="entr" presetSubtype="0" fill="hold" grpId="0" nodeType="clickEffect">
-                                  <p:stCondLst>
-                                    <p:cond delay="0"/>
-                                  </p:stCondLst>
-                                  <p:childTnLst>
-                                    <p:set>
-                                      <p:cBhvr>
-                                        <p:cTn id="6" dur="1" fill="hold">
-                                          <p:stCondLst>
-                                            <p:cond delay="0"/>
-                                          </p:stCondLst>
-                                        </p:cTn>
-                                        <p:tgtEl>
-                                          <p:spTgt spid="34"/>
-                                        </p:tgtEl>
-                                        <p:attrNameLst>
-                                          <p:attrName>style.visibility</p:attrName>
-                                        </p:attrNameLst>
-                                      </p:cBhvr>
-                                      <p:to>
-                                        <p:strVal val="visible"/>
-                                      </p:to>
-                                    </p:set>
-                                  </p:childTnLst>
-                                </p:cTn>
-                              </p:par>
-                            </p:childTnLst>
-                          </p:cTn>
-                        </p:par>
-                      </p:childTnLst>
-                    </p:cTn>
-                  </p:par>
-                  <p:par>
-                    <p:cTn id="7" fill="hold">
-                      <p:stCondLst>
-                        <p:cond delay="indefinite"/>
-                      </p:stCondLst>
-                      <p:childTnLst>
-                        <p:par>
-                          <p:cTn id="8" fill="hold">
-                            <p:stCondLst>
-                              <p:cond delay="0"/>
-                            </p:stCondLst>
-                            <p:childTnLst>
-                              <p:par>
-                                <p:cTn id="9" presetID="1" presetClass="entr" presetSubtype="0" fill="hold" grpId="1" nodeType="clickEffect">
-                                  <p:stCondLst>
-                                    <p:cond delay="0"/>
-                                  </p:stCondLst>
-                                  <p:childTnLst>
-                                    <p:set>
-                                      <p:cBhvr>
-                                        <p:cTn id="10" dur="1" fill="hold">
-                                          <p:stCondLst>
-                                            <p:cond delay="0"/>
-                                          </p:stCondLst>
-                                        </p:cTn>
-                                        <p:tgtEl>
-                                          <p:spTgt spid="32"/>
-                                        </p:tgtEl>
-                                        <p:attrNameLst>
-                                          <p:attrName>style.visibility</p:attrName>
-                                        </p:attrNameLst>
-                                      </p:cBhvr>
-                                      <p:to>
-                                        <p:strVal val="visible"/>
-                                      </p:to>
-                                    </p:set>
-                                  </p:childTnLst>
-                                </p:cTn>
-                              </p:par>
-                            </p:childTnLst>
-                          </p:cTn>
-                        </p:par>
-                      </p:childTnLst>
-                    </p:cTn>
-                  </p:par>
-                </p:childTnLst>
-              </p:cTn>
-              <p:prevCondLst>
-                <p:cond evt="onPrev" delay="0">
-                  <p:tgtEl>
-                    <p:sldTgt/>
-                  </p:tgtEl>
-                </p:cond>
-              </p:prevCondLst>
-              <p:nextCondLst>
-                <p:cond evt="onNext" delay="0">
-                  <p:tgtEl>
-                    <p:sldTgt/>
-                  </p:tgtEl>
-                </p:cond>
-              </p:nextCondLst>
-            </p:seq>
-          </p:childTnLst>
-        </p:cTn>
-      </p:par>
-    </p:tnLst>
-    <p:bldLst>
-      <p:bldP spid="32" grpId="1" animBg="1"/>
-      <p:bldP spid="34" grpId="0" animBg="1"/>
-    </p:bldLst>
-  </p:timing>
 </p:sld>
 </file>
 
@@ -28727,41 +28901,41 @@
 </file>
 
 <file path=ppt/theme/theme1.xml><?xml version="1.0" encoding="utf-8"?>
-<a:theme xmlns:a="http://schemas.openxmlformats.org/drawingml/2006/main" name="사용자 테마1">
+<a:theme xmlns:r="http://schemas.openxmlformats.org/officeDocument/2006/relationships" xmlns:c="http://schemas.openxmlformats.org/drawingml/2006/chart" xmlns:dgm="http://schemas.openxmlformats.org/drawingml/2006/diagram" xmlns:dsp="http://schemas.microsoft.com/office/drawing/2008/diagram" xmlns:a="http://schemas.openxmlformats.org/drawingml/2006/main" xmlns:pic="http://schemas.openxmlformats.org/drawingml/2006/picture" xmlns:wp="http://schemas.openxmlformats.org/drawingml/2006/wordprocessingDrawing" xmlns:xdr="http://schemas.openxmlformats.org/drawingml/2006/spreadsheetDrawing" xmlns:lc="http://schemas.openxmlformats.org/drawingml/2006/lockedCanvas" xmlns:p="http://schemas.openxmlformats.org/presentationml/2006/main" name="사용자 테마1">
   <a:themeElements>
     <a:clrScheme name="한컴오피스">
       <a:dk1>
         <a:sysClr val="windowText" lastClr="000000"/>
       </a:dk1>
       <a:lt1>
-        <a:sysClr val="window" lastClr="FFFFFF"/>
+        <a:sysClr val="window" lastClr="ffffff"/>
       </a:lt1>
       <a:dk2>
-        <a:srgbClr val="3A3C84"/>
+        <a:srgbClr val="3a3c84"/>
       </a:dk2>
       <a:lt2>
-        <a:srgbClr val="FAF3DB"/>
+        <a:srgbClr val="faf3db"/>
       </a:lt2>
       <a:accent1>
-        <a:srgbClr val="6182D6"/>
+        <a:srgbClr val="6182d6"/>
       </a:accent1>
       <a:accent2>
-        <a:srgbClr val="FF843A"/>
+        <a:srgbClr val="ff843a"/>
       </a:accent2>
       <a:accent3>
-        <a:srgbClr val="B2B2B2"/>
+        <a:srgbClr val="b2b2b2"/>
       </a:accent3>
       <a:accent4>
-        <a:srgbClr val="FFD700"/>
+        <a:srgbClr val="ffd700"/>
       </a:accent4>
       <a:accent5>
-        <a:srgbClr val="289B6E"/>
+        <a:srgbClr val="289b6e"/>
       </a:accent5>
       <a:accent6>
-        <a:srgbClr val="9D5CBB"/>
+        <a:srgbClr val="9d5cbb"/>
       </a:accent6>
       <a:hlink>
-        <a:srgbClr val="0000FF"/>
+        <a:srgbClr val="0000ff"/>
       </a:hlink>
       <a:folHlink>
         <a:srgbClr val="800080"/>
@@ -29020,46 +29194,45 @@
       </a:lstStyle>
     </a:txDef>
   </a:objectDefaults>
-  <a:extraClrSchemeLst/>
 </a:theme>
 </file>
 
 <file path=ppt/theme/theme2.xml><?xml version="1.0" encoding="utf-8"?>
-<a:theme xmlns:a="http://schemas.openxmlformats.org/drawingml/2006/main" name="1_사용자 테마1">
+<a:theme xmlns:r="http://schemas.openxmlformats.org/officeDocument/2006/relationships" xmlns:c="http://schemas.openxmlformats.org/drawingml/2006/chart" xmlns:dgm="http://schemas.openxmlformats.org/drawingml/2006/diagram" xmlns:dsp="http://schemas.microsoft.com/office/drawing/2008/diagram" xmlns:a="http://schemas.openxmlformats.org/drawingml/2006/main" xmlns:pic="http://schemas.openxmlformats.org/drawingml/2006/picture" xmlns:wp="http://schemas.openxmlformats.org/drawingml/2006/wordprocessingDrawing" xmlns:xdr="http://schemas.openxmlformats.org/drawingml/2006/spreadsheetDrawing" xmlns:lc="http://schemas.openxmlformats.org/drawingml/2006/lockedCanvas" xmlns:p="http://schemas.openxmlformats.org/presentationml/2006/main" name="1_사용자 테마1">
   <a:themeElements>
     <a:clrScheme name="한컴오피스">
       <a:dk1>
         <a:sysClr val="windowText" lastClr="000000"/>
       </a:dk1>
       <a:lt1>
-        <a:sysClr val="window" lastClr="FFFFFF"/>
+        <a:sysClr val="window" lastClr="ffffff"/>
       </a:lt1>
       <a:dk2>
-        <a:srgbClr val="3A3C84"/>
+        <a:srgbClr val="3a3c84"/>
       </a:dk2>
       <a:lt2>
-        <a:srgbClr val="FAF3DB"/>
+        <a:srgbClr val="faf3db"/>
       </a:lt2>
       <a:accent1>
-        <a:srgbClr val="6182D6"/>
+        <a:srgbClr val="6182d6"/>
       </a:accent1>
       <a:accent2>
-        <a:srgbClr val="FF843A"/>
+        <a:srgbClr val="ff843a"/>
       </a:accent2>
       <a:accent3>
-        <a:srgbClr val="B2B2B2"/>
+        <a:srgbClr val="b2b2b2"/>
       </a:accent3>
       <a:accent4>
-        <a:srgbClr val="FFD700"/>
+        <a:srgbClr val="ffd700"/>
       </a:accent4>
       <a:accent5>
-        <a:srgbClr val="289B6E"/>
+        <a:srgbClr val="289b6e"/>
       </a:accent5>
       <a:accent6>
-        <a:srgbClr val="9D5CBB"/>
+        <a:srgbClr val="9d5cbb"/>
       </a:accent6>
       <a:hlink>
-        <a:srgbClr val="0000FF"/>
+        <a:srgbClr val="0000ff"/>
       </a:hlink>
       <a:folHlink>
         <a:srgbClr val="800080"/>
@@ -29318,46 +29491,45 @@
       </a:lstStyle>
     </a:txDef>
   </a:objectDefaults>
-  <a:extraClrSchemeLst/>
 </a:theme>
 </file>
 
 <file path=ppt/theme/theme3.xml><?xml version="1.0" encoding="utf-8"?>
-<a:theme xmlns:a="http://schemas.openxmlformats.org/drawingml/2006/main" name="한컴오피스">
+<a:theme xmlns:r="http://schemas.openxmlformats.org/officeDocument/2006/relationships" xmlns:c="http://schemas.openxmlformats.org/drawingml/2006/chart" xmlns:dgm="http://schemas.openxmlformats.org/drawingml/2006/diagram" xmlns:dsp="http://schemas.microsoft.com/office/drawing/2008/diagram" xmlns:a="http://schemas.openxmlformats.org/drawingml/2006/main" xmlns:pic="http://schemas.openxmlformats.org/drawingml/2006/picture" xmlns:wp="http://schemas.openxmlformats.org/drawingml/2006/wordprocessingDrawing" xmlns:xdr="http://schemas.openxmlformats.org/drawingml/2006/spreadsheetDrawing" xmlns:lc="http://schemas.openxmlformats.org/drawingml/2006/lockedCanvas" xmlns:p="http://schemas.openxmlformats.org/presentationml/2006/main" name="한컴오피스">
   <a:themeElements>
     <a:clrScheme name="한컴오피스">
       <a:dk1>
         <a:sysClr val="windowText" lastClr="000000"/>
       </a:dk1>
       <a:lt1>
-        <a:sysClr val="window" lastClr="FFFFFF"/>
+        <a:sysClr val="window" lastClr="ffffff"/>
       </a:lt1>
       <a:dk2>
-        <a:srgbClr val="3A3C84"/>
+        <a:srgbClr val="3a3c84"/>
       </a:dk2>
       <a:lt2>
-        <a:srgbClr val="FAF3DB"/>
+        <a:srgbClr val="faf3db"/>
       </a:lt2>
       <a:accent1>
-        <a:srgbClr val="6182D6"/>
+        <a:srgbClr val="6182d6"/>
       </a:accent1>
       <a:accent2>
-        <a:srgbClr val="FF843A"/>
+        <a:srgbClr val="ff843a"/>
       </a:accent2>
       <a:accent3>
-        <a:srgbClr val="B2B2B2"/>
+        <a:srgbClr val="b2b2b2"/>
       </a:accent3>
       <a:accent4>
-        <a:srgbClr val="FFD700"/>
+        <a:srgbClr val="ffd700"/>
       </a:accent4>
       <a:accent5>
-        <a:srgbClr val="289B6E"/>
+        <a:srgbClr val="289b6e"/>
       </a:accent5>
       <a:accent6>
-        <a:srgbClr val="9D5CBB"/>
+        <a:srgbClr val="9d5cbb"/>
       </a:accent6>
       <a:hlink>
-        <a:srgbClr val="0000FF"/>
+        <a:srgbClr val="0000ff"/>
       </a:hlink>
       <a:folHlink>
         <a:srgbClr val="800080"/>
@@ -29586,47 +29758,45 @@
       </a:bgFillStyleLst>
     </a:fmtScheme>
   </a:themeElements>
-  <a:objectDefaults/>
-  <a:extraClrSchemeLst/>
 </a:theme>
 </file>
 
 <file path=ppt/theme/theme4.xml><?xml version="1.0" encoding="utf-8"?>
-<a:theme xmlns:a="http://schemas.openxmlformats.org/drawingml/2006/main" name="한컴오피스">
+<a:theme xmlns:r="http://schemas.openxmlformats.org/officeDocument/2006/relationships" xmlns:c="http://schemas.openxmlformats.org/drawingml/2006/chart" xmlns:dgm="http://schemas.openxmlformats.org/drawingml/2006/diagram" xmlns:dsp="http://schemas.microsoft.com/office/drawing/2008/diagram" xmlns:a="http://schemas.openxmlformats.org/drawingml/2006/main" xmlns:pic="http://schemas.openxmlformats.org/drawingml/2006/picture" xmlns:wp="http://schemas.openxmlformats.org/drawingml/2006/wordprocessingDrawing" xmlns:xdr="http://schemas.openxmlformats.org/drawingml/2006/spreadsheetDrawing" xmlns:lc="http://schemas.openxmlformats.org/drawingml/2006/lockedCanvas" xmlns:p="http://schemas.openxmlformats.org/presentationml/2006/main" name="한컴오피스">
   <a:themeElements>
     <a:clrScheme name="한컴오피스">
       <a:dk1>
         <a:sysClr val="windowText" lastClr="000000"/>
       </a:dk1>
       <a:lt1>
-        <a:sysClr val="window" lastClr="FFFFFF"/>
+        <a:sysClr val="window" lastClr="ffffff"/>
       </a:lt1>
       <a:dk2>
-        <a:srgbClr val="3A3C84"/>
+        <a:srgbClr val="3a3c84"/>
       </a:dk2>
       <a:lt2>
-        <a:srgbClr val="FAF3DB"/>
+        <a:srgbClr val="faf3db"/>
       </a:lt2>
       <a:accent1>
-        <a:srgbClr val="6182D6"/>
+        <a:srgbClr val="6182d6"/>
       </a:accent1>
       <a:accent2>
-        <a:srgbClr val="FF843A"/>
+        <a:srgbClr val="ff843a"/>
       </a:accent2>
       <a:accent3>
-        <a:srgbClr val="B2B2B2"/>
+        <a:srgbClr val="b2b2b2"/>
       </a:accent3>
       <a:accent4>
-        <a:srgbClr val="FFD700"/>
+        <a:srgbClr val="ffd700"/>
       </a:accent4>
       <a:accent5>
-        <a:srgbClr val="289B6E"/>
+        <a:srgbClr val="289b6e"/>
       </a:accent5>
       <a:accent6>
-        <a:srgbClr val="9D5CBB"/>
+        <a:srgbClr val="9d5cbb"/>
       </a:accent6>
       <a:hlink>
-        <a:srgbClr val="0000FF"/>
+        <a:srgbClr val="0000ff"/>
       </a:hlink>
       <a:folHlink>
         <a:srgbClr val="800080"/>
@@ -29855,7 +30025,5 @@
       </a:bgFillStyleLst>
     </a:fmtScheme>
   </a:themeElements>
-  <a:objectDefaults/>
-  <a:extraClrSchemeLst/>
 </a:theme>
 </file>